--- a/doc/Presentation.pptx
+++ b/doc/Presentation.pptx
@@ -2,38 +2,43 @@
 <file path=ppt/presentation.xml><?xml version="1.0" encoding="utf-8"?>
 <p:presentation xmlns:a="http://schemas.openxmlformats.org/drawingml/2006/main" xmlns:r="http://schemas.openxmlformats.org/officeDocument/2006/relationships" xmlns:mc="http://schemas.openxmlformats.org/markup-compatibility/2006" xmlns:mv="urn:schemas-microsoft-com:mac:vml" xmlns:p="http://schemas.openxmlformats.org/presentationml/2006/main" xmlns:c="http://schemas.openxmlformats.org/drawingml/2006/chart" xmlns:dgm="http://schemas.openxmlformats.org/drawingml/2006/diagram" xmlns:o="urn:schemas-microsoft-com:office:office" xmlns:v="urn:schemas-microsoft-com:vml" xmlns:pvml="urn:schemas-microsoft-com:office:powerpoint" xmlns:com="http://schemas.openxmlformats.org/drawingml/2006/compatibility" xmlns:p14="http://schemas.microsoft.com/office/powerpoint/2010/main" xmlns:p15="http://schemas.microsoft.com/office/powerpoint/2012/main" autoCompressPictures="0" embedTrueTypeFonts="1" strictFirstAndLastChars="0" saveSubsetFonts="1">
   <p:sldMasterIdLst>
-    <p:sldMasterId id="2147483659" r:id="rId4"/>
+    <p:sldMasterId id="2147483659" r:id="rId5"/>
   </p:sldMasterIdLst>
   <p:notesMasterIdLst>
-    <p:notesMasterId r:id="rId5"/>
+    <p:notesMasterId r:id="rId6"/>
   </p:notesMasterIdLst>
   <p:sldIdLst>
-    <p:sldId id="256" r:id="rId6"/>
-    <p:sldId id="257" r:id="rId7"/>
-    <p:sldId id="258" r:id="rId8"/>
-    <p:sldId id="259" r:id="rId9"/>
-    <p:sldId id="260" r:id="rId10"/>
-    <p:sldId id="261" r:id="rId11"/>
-    <p:sldId id="262" r:id="rId12"/>
-    <p:sldId id="263" r:id="rId13"/>
-    <p:sldId id="264" r:id="rId14"/>
-    <p:sldId id="265" r:id="rId15"/>
-    <p:sldId id="266" r:id="rId16"/>
+    <p:sldId id="256" r:id="rId7"/>
+    <p:sldId id="257" r:id="rId8"/>
+    <p:sldId id="258" r:id="rId9"/>
+    <p:sldId id="259" r:id="rId10"/>
+    <p:sldId id="260" r:id="rId11"/>
+    <p:sldId id="261" r:id="rId12"/>
+    <p:sldId id="262" r:id="rId13"/>
+    <p:sldId id="263" r:id="rId14"/>
+    <p:sldId id="264" r:id="rId15"/>
+    <p:sldId id="265" r:id="rId16"/>
+    <p:sldId id="266" r:id="rId17"/>
+    <p:sldId id="267" r:id="rId18"/>
+    <p:sldId id="268" r:id="rId19"/>
+    <p:sldId id="269" r:id="rId20"/>
+    <p:sldId id="270" r:id="rId21"/>
+    <p:sldId id="271" r:id="rId22"/>
   </p:sldIdLst>
   <p:sldSz cy="5143500" cx="9144000"/>
   <p:notesSz cx="6858000" cy="9144000"/>
   <p:embeddedFontLst>
     <p:embeddedFont>
       <p:font typeface="Nunito"/>
-      <p:regular r:id="rId17"/>
-      <p:bold r:id="rId18"/>
-      <p:italic r:id="rId19"/>
-      <p:boldItalic r:id="rId20"/>
+      <p:regular r:id="rId23"/>
+      <p:bold r:id="rId24"/>
+      <p:italic r:id="rId25"/>
+      <p:boldItalic r:id="rId26"/>
     </p:embeddedFont>
     <p:embeddedFont>
       <p:font typeface="Maven Pro"/>
-      <p:regular r:id="rId21"/>
-      <p:bold r:id="rId22"/>
+      <p:regular r:id="rId27"/>
+      <p:bold r:id="rId28"/>
     </p:embeddedFont>
   </p:embeddedFontLst>
   <p:defaultTextStyle>
@@ -812,7 +817,7 @@
   <p:cSld>
     <p:spTree>
       <p:nvGrpSpPr>
-        <p:cNvPr id="1996" name="Shape 1996"/>
+        <p:cNvPr id="2001" name="Shape 2001"/>
         <p:cNvGrpSpPr/>
         <p:nvPr/>
       </p:nvGrpSpPr>
@@ -826,7 +831,7 @@
       </p:grpSpPr>
       <p:sp>
         <p:nvSpPr>
-          <p:cNvPr id="1997" name="Google Shape;1997;g46745afb04_1_160:notes"/>
+          <p:cNvPr id="2002" name="Google Shape;2002;g46cb80779c_3_29:notes"/>
           <p:cNvSpPr/>
           <p:nvPr>
             <p:ph idx="2" type="sldImg"/>
@@ -861,7 +866,7 @@
       </p:sp>
       <p:sp>
         <p:nvSpPr>
-          <p:cNvPr id="1998" name="Google Shape;1998;g46745afb04_1_160:notes"/>
+          <p:cNvPr id="2003" name="Google Shape;2003;g46cb80779c_3_29:notes"/>
           <p:cNvSpPr txBox="1"/>
           <p:nvPr>
             <p:ph idx="1" type="body"/>
@@ -911,7 +916,7 @@
   <p:cSld>
     <p:spTree>
       <p:nvGrpSpPr>
-        <p:cNvPr id="2002" name="Shape 2002"/>
+        <p:cNvPr id="2008" name="Shape 2008"/>
         <p:cNvGrpSpPr/>
         <p:nvPr/>
       </p:nvGrpSpPr>
@@ -925,7 +930,7 @@
       </p:grpSpPr>
       <p:sp>
         <p:nvSpPr>
-          <p:cNvPr id="2003" name="Google Shape;2003;g46745afb04_1_165:notes"/>
+          <p:cNvPr id="2009" name="Google Shape;2009;g47bd85a72e_1_54:notes"/>
           <p:cNvSpPr/>
           <p:nvPr>
             <p:ph idx="2" type="sldImg"/>
@@ -960,7 +965,502 @@
       </p:sp>
       <p:sp>
         <p:nvSpPr>
-          <p:cNvPr id="2004" name="Google Shape;2004;g46745afb04_1_165:notes"/>
+          <p:cNvPr id="2010" name="Google Shape;2010;g47bd85a72e_1_54:notes"/>
+          <p:cNvSpPr txBox="1"/>
+          <p:nvPr>
+            <p:ph idx="1" type="body"/>
+          </p:nvPr>
+        </p:nvSpPr>
+        <p:spPr>
+          <a:xfrm>
+            <a:off x="685800" y="4343400"/>
+            <a:ext cx="5486400" cy="4114800"/>
+          </a:xfrm>
+          <a:prstGeom prst="rect">
+            <a:avLst/>
+          </a:prstGeom>
+        </p:spPr>
+        <p:txBody>
+          <a:bodyPr anchorCtr="0" anchor="t" bIns="91425" lIns="91425" spcFirstLastPara="1" rIns="91425" wrap="square" tIns="91425">
+            <a:noAutofit/>
+          </a:bodyPr>
+          <a:lstStyle/>
+          <a:p>
+            <a:pPr indent="0" lvl="0" marL="0" rtl="0" algn="l">
+              <a:spcBef>
+                <a:spcPts val="0"/>
+              </a:spcBef>
+              <a:spcAft>
+                <a:spcPts val="0"/>
+              </a:spcAft>
+              <a:buNone/>
+            </a:pPr>
+            <a:r>
+              <a:t/>
+            </a:r>
+            <a:endParaRPr/>
+          </a:p>
+        </p:txBody>
+      </p:sp>
+    </p:spTree>
+  </p:cSld>
+  <p:clrMapOvr>
+    <a:masterClrMapping/>
+  </p:clrMapOvr>
+</p:notes>
+</file>
+
+<file path=ppt/notesSlides/notesSlide12.xml><?xml version="1.0" encoding="utf-8"?>
+<p:notes xmlns:a="http://schemas.openxmlformats.org/drawingml/2006/main" xmlns:r="http://schemas.openxmlformats.org/officeDocument/2006/relationships" xmlns:mc="http://schemas.openxmlformats.org/markup-compatibility/2006" xmlns:mv="urn:schemas-microsoft-com:mac:vml" xmlns:p="http://schemas.openxmlformats.org/presentationml/2006/main" xmlns:c="http://schemas.openxmlformats.org/drawingml/2006/chart" xmlns:dgm="http://schemas.openxmlformats.org/drawingml/2006/diagram" xmlns:o="urn:schemas-microsoft-com:office:office" xmlns:v="urn:schemas-microsoft-com:vml" xmlns:pvml="urn:schemas-microsoft-com:office:powerpoint" xmlns:com="http://schemas.openxmlformats.org/drawingml/2006/compatibility" xmlns:p14="http://schemas.microsoft.com/office/powerpoint/2010/main" xmlns:p15="http://schemas.microsoft.com/office/powerpoint/2012/main" showMasterPhAnim="0" showMasterSp="0">
+  <p:cSld>
+    <p:spTree>
+      <p:nvGrpSpPr>
+        <p:cNvPr id="2017" name="Shape 2017"/>
+        <p:cNvGrpSpPr/>
+        <p:nvPr/>
+      </p:nvGrpSpPr>
+      <p:grpSpPr>
+        <a:xfrm>
+          <a:off x="0" y="0"/>
+          <a:ext cx="0" cy="0"/>
+          <a:chOff x="0" y="0"/>
+          <a:chExt cx="0" cy="0"/>
+        </a:xfrm>
+      </p:grpSpPr>
+      <p:sp>
+        <p:nvSpPr>
+          <p:cNvPr id="2018" name="Google Shape;2018;g47bd85a72e_1_41:notes"/>
+          <p:cNvSpPr/>
+          <p:nvPr>
+            <p:ph idx="2" type="sldImg"/>
+          </p:nvPr>
+        </p:nvSpPr>
+        <p:spPr>
+          <a:xfrm>
+            <a:off x="381300" y="685800"/>
+            <a:ext cx="6096000" cy="3429000"/>
+          </a:xfrm>
+          <a:custGeom>
+            <a:rect b="b" l="l" r="r" t="t"/>
+            <a:pathLst>
+              <a:path extrusionOk="0" h="120000" w="120000">
+                <a:moveTo>
+                  <a:pt x="0" y="0"/>
+                </a:moveTo>
+                <a:lnTo>
+                  <a:pt x="120000" y="0"/>
+                </a:lnTo>
+                <a:lnTo>
+                  <a:pt x="120000" y="120000"/>
+                </a:lnTo>
+                <a:lnTo>
+                  <a:pt x="0" y="120000"/>
+                </a:lnTo>
+                <a:close/>
+              </a:path>
+            </a:pathLst>
+          </a:custGeom>
+        </p:spPr>
+      </p:sp>
+      <p:sp>
+        <p:nvSpPr>
+          <p:cNvPr id="2019" name="Google Shape;2019;g47bd85a72e_1_41:notes"/>
+          <p:cNvSpPr txBox="1"/>
+          <p:nvPr>
+            <p:ph idx="1" type="body"/>
+          </p:nvPr>
+        </p:nvSpPr>
+        <p:spPr>
+          <a:xfrm>
+            <a:off x="685800" y="4343400"/>
+            <a:ext cx="5486400" cy="4114800"/>
+          </a:xfrm>
+          <a:prstGeom prst="rect">
+            <a:avLst/>
+          </a:prstGeom>
+        </p:spPr>
+        <p:txBody>
+          <a:bodyPr anchorCtr="0" anchor="t" bIns="91425" lIns="91425" spcFirstLastPara="1" rIns="91425" wrap="square" tIns="91425">
+            <a:noAutofit/>
+          </a:bodyPr>
+          <a:lstStyle/>
+          <a:p>
+            <a:pPr indent="0" lvl="0" marL="0" rtl="0" algn="l">
+              <a:spcBef>
+                <a:spcPts val="0"/>
+              </a:spcBef>
+              <a:spcAft>
+                <a:spcPts val="0"/>
+              </a:spcAft>
+              <a:buNone/>
+            </a:pPr>
+            <a:r>
+              <a:t/>
+            </a:r>
+            <a:endParaRPr/>
+          </a:p>
+        </p:txBody>
+      </p:sp>
+    </p:spTree>
+  </p:cSld>
+  <p:clrMapOvr>
+    <a:masterClrMapping/>
+  </p:clrMapOvr>
+</p:notes>
+</file>
+
+<file path=ppt/notesSlides/notesSlide13.xml><?xml version="1.0" encoding="utf-8"?>
+<p:notes xmlns:a="http://schemas.openxmlformats.org/drawingml/2006/main" xmlns:r="http://schemas.openxmlformats.org/officeDocument/2006/relationships" xmlns:mc="http://schemas.openxmlformats.org/markup-compatibility/2006" xmlns:mv="urn:schemas-microsoft-com:mac:vml" xmlns:p="http://schemas.openxmlformats.org/presentationml/2006/main" xmlns:c="http://schemas.openxmlformats.org/drawingml/2006/chart" xmlns:dgm="http://schemas.openxmlformats.org/drawingml/2006/diagram" xmlns:o="urn:schemas-microsoft-com:office:office" xmlns:v="urn:schemas-microsoft-com:vml" xmlns:pvml="urn:schemas-microsoft-com:office:powerpoint" xmlns:com="http://schemas.openxmlformats.org/drawingml/2006/compatibility" xmlns:p14="http://schemas.microsoft.com/office/powerpoint/2010/main" xmlns:p15="http://schemas.microsoft.com/office/powerpoint/2012/main" showMasterPhAnim="0" showMasterSp="0">
+  <p:cSld>
+    <p:spTree>
+      <p:nvGrpSpPr>
+        <p:cNvPr id="2026" name="Shape 2026"/>
+        <p:cNvGrpSpPr/>
+        <p:nvPr/>
+      </p:nvGrpSpPr>
+      <p:grpSpPr>
+        <a:xfrm>
+          <a:off x="0" y="0"/>
+          <a:ext cx="0" cy="0"/>
+          <a:chOff x="0" y="0"/>
+          <a:chExt cx="0" cy="0"/>
+        </a:xfrm>
+      </p:grpSpPr>
+      <p:sp>
+        <p:nvSpPr>
+          <p:cNvPr id="2027" name="Google Shape;2027;g47bd85a72e_1_12:notes"/>
+          <p:cNvSpPr/>
+          <p:nvPr>
+            <p:ph idx="2" type="sldImg"/>
+          </p:nvPr>
+        </p:nvSpPr>
+        <p:spPr>
+          <a:xfrm>
+            <a:off x="381300" y="685800"/>
+            <a:ext cx="6096000" cy="3429000"/>
+          </a:xfrm>
+          <a:custGeom>
+            <a:rect b="b" l="l" r="r" t="t"/>
+            <a:pathLst>
+              <a:path extrusionOk="0" h="120000" w="120000">
+                <a:moveTo>
+                  <a:pt x="0" y="0"/>
+                </a:moveTo>
+                <a:lnTo>
+                  <a:pt x="120000" y="0"/>
+                </a:lnTo>
+                <a:lnTo>
+                  <a:pt x="120000" y="120000"/>
+                </a:lnTo>
+                <a:lnTo>
+                  <a:pt x="0" y="120000"/>
+                </a:lnTo>
+                <a:close/>
+              </a:path>
+            </a:pathLst>
+          </a:custGeom>
+        </p:spPr>
+      </p:sp>
+      <p:sp>
+        <p:nvSpPr>
+          <p:cNvPr id="2028" name="Google Shape;2028;g47bd85a72e_1_12:notes"/>
+          <p:cNvSpPr txBox="1"/>
+          <p:nvPr>
+            <p:ph idx="1" type="body"/>
+          </p:nvPr>
+        </p:nvSpPr>
+        <p:spPr>
+          <a:xfrm>
+            <a:off x="685800" y="4343400"/>
+            <a:ext cx="5486400" cy="4114800"/>
+          </a:xfrm>
+          <a:prstGeom prst="rect">
+            <a:avLst/>
+          </a:prstGeom>
+        </p:spPr>
+        <p:txBody>
+          <a:bodyPr anchorCtr="0" anchor="t" bIns="91425" lIns="91425" spcFirstLastPara="1" rIns="91425" wrap="square" tIns="91425">
+            <a:noAutofit/>
+          </a:bodyPr>
+          <a:lstStyle/>
+          <a:p>
+            <a:pPr indent="0" lvl="0" marL="0" rtl="0" algn="l">
+              <a:spcBef>
+                <a:spcPts val="0"/>
+              </a:spcBef>
+              <a:spcAft>
+                <a:spcPts val="0"/>
+              </a:spcAft>
+              <a:buNone/>
+            </a:pPr>
+            <a:r>
+              <a:t/>
+            </a:r>
+            <a:endParaRPr/>
+          </a:p>
+        </p:txBody>
+      </p:sp>
+    </p:spTree>
+  </p:cSld>
+  <p:clrMapOvr>
+    <a:masterClrMapping/>
+  </p:clrMapOvr>
+</p:notes>
+</file>
+
+<file path=ppt/notesSlides/notesSlide14.xml><?xml version="1.0" encoding="utf-8"?>
+<p:notes xmlns:a="http://schemas.openxmlformats.org/drawingml/2006/main" xmlns:r="http://schemas.openxmlformats.org/officeDocument/2006/relationships" xmlns:mc="http://schemas.openxmlformats.org/markup-compatibility/2006" xmlns:mv="urn:schemas-microsoft-com:mac:vml" xmlns:p="http://schemas.openxmlformats.org/presentationml/2006/main" xmlns:c="http://schemas.openxmlformats.org/drawingml/2006/chart" xmlns:dgm="http://schemas.openxmlformats.org/drawingml/2006/diagram" xmlns:o="urn:schemas-microsoft-com:office:office" xmlns:v="urn:schemas-microsoft-com:vml" xmlns:pvml="urn:schemas-microsoft-com:office:powerpoint" xmlns:com="http://schemas.openxmlformats.org/drawingml/2006/compatibility" xmlns:p14="http://schemas.microsoft.com/office/powerpoint/2010/main" xmlns:p15="http://schemas.microsoft.com/office/powerpoint/2012/main" showMasterPhAnim="0" showMasterSp="0">
+  <p:cSld>
+    <p:spTree>
+      <p:nvGrpSpPr>
+        <p:cNvPr id="2033" name="Shape 2033"/>
+        <p:cNvGrpSpPr/>
+        <p:nvPr/>
+      </p:nvGrpSpPr>
+      <p:grpSpPr>
+        <a:xfrm>
+          <a:off x="0" y="0"/>
+          <a:ext cx="0" cy="0"/>
+          <a:chOff x="0" y="0"/>
+          <a:chExt cx="0" cy="0"/>
+        </a:xfrm>
+      </p:grpSpPr>
+      <p:sp>
+        <p:nvSpPr>
+          <p:cNvPr id="2034" name="Google Shape;2034;g46745afb04_1_160:notes"/>
+          <p:cNvSpPr/>
+          <p:nvPr>
+            <p:ph idx="2" type="sldImg"/>
+          </p:nvPr>
+        </p:nvSpPr>
+        <p:spPr>
+          <a:xfrm>
+            <a:off x="381300" y="685800"/>
+            <a:ext cx="6096000" cy="3429000"/>
+          </a:xfrm>
+          <a:custGeom>
+            <a:rect b="b" l="l" r="r" t="t"/>
+            <a:pathLst>
+              <a:path extrusionOk="0" h="120000" w="120000">
+                <a:moveTo>
+                  <a:pt x="0" y="0"/>
+                </a:moveTo>
+                <a:lnTo>
+                  <a:pt x="120000" y="0"/>
+                </a:lnTo>
+                <a:lnTo>
+                  <a:pt x="120000" y="120000"/>
+                </a:lnTo>
+                <a:lnTo>
+                  <a:pt x="0" y="120000"/>
+                </a:lnTo>
+                <a:close/>
+              </a:path>
+            </a:pathLst>
+          </a:custGeom>
+        </p:spPr>
+      </p:sp>
+      <p:sp>
+        <p:nvSpPr>
+          <p:cNvPr id="2035" name="Google Shape;2035;g46745afb04_1_160:notes"/>
+          <p:cNvSpPr txBox="1"/>
+          <p:nvPr>
+            <p:ph idx="1" type="body"/>
+          </p:nvPr>
+        </p:nvSpPr>
+        <p:spPr>
+          <a:xfrm>
+            <a:off x="685800" y="4343400"/>
+            <a:ext cx="5486400" cy="4114800"/>
+          </a:xfrm>
+          <a:prstGeom prst="rect">
+            <a:avLst/>
+          </a:prstGeom>
+        </p:spPr>
+        <p:txBody>
+          <a:bodyPr anchorCtr="0" anchor="t" bIns="91425" lIns="91425" spcFirstLastPara="1" rIns="91425" wrap="square" tIns="91425">
+            <a:noAutofit/>
+          </a:bodyPr>
+          <a:lstStyle/>
+          <a:p>
+            <a:pPr indent="0" lvl="0" marL="0" rtl="0" algn="l">
+              <a:spcBef>
+                <a:spcPts val="0"/>
+              </a:spcBef>
+              <a:spcAft>
+                <a:spcPts val="0"/>
+              </a:spcAft>
+              <a:buNone/>
+            </a:pPr>
+            <a:r>
+              <a:t/>
+            </a:r>
+            <a:endParaRPr/>
+          </a:p>
+        </p:txBody>
+      </p:sp>
+    </p:spTree>
+  </p:cSld>
+  <p:clrMapOvr>
+    <a:masterClrMapping/>
+  </p:clrMapOvr>
+</p:notes>
+</file>
+
+<file path=ppt/notesSlides/notesSlide15.xml><?xml version="1.0" encoding="utf-8"?>
+<p:notes xmlns:a="http://schemas.openxmlformats.org/drawingml/2006/main" xmlns:r="http://schemas.openxmlformats.org/officeDocument/2006/relationships" xmlns:mc="http://schemas.openxmlformats.org/markup-compatibility/2006" xmlns:mv="urn:schemas-microsoft-com:mac:vml" xmlns:p="http://schemas.openxmlformats.org/presentationml/2006/main" xmlns:c="http://schemas.openxmlformats.org/drawingml/2006/chart" xmlns:dgm="http://schemas.openxmlformats.org/drawingml/2006/diagram" xmlns:o="urn:schemas-microsoft-com:office:office" xmlns:v="urn:schemas-microsoft-com:vml" xmlns:pvml="urn:schemas-microsoft-com:office:powerpoint" xmlns:com="http://schemas.openxmlformats.org/drawingml/2006/compatibility" xmlns:p14="http://schemas.microsoft.com/office/powerpoint/2010/main" xmlns:p15="http://schemas.microsoft.com/office/powerpoint/2012/main" showMasterPhAnim="0" showMasterSp="0">
+  <p:cSld>
+    <p:spTree>
+      <p:nvGrpSpPr>
+        <p:cNvPr id="2039" name="Shape 2039"/>
+        <p:cNvGrpSpPr/>
+        <p:nvPr/>
+      </p:nvGrpSpPr>
+      <p:grpSpPr>
+        <a:xfrm>
+          <a:off x="0" y="0"/>
+          <a:ext cx="0" cy="0"/>
+          <a:chOff x="0" y="0"/>
+          <a:chExt cx="0" cy="0"/>
+        </a:xfrm>
+      </p:grpSpPr>
+      <p:sp>
+        <p:nvSpPr>
+          <p:cNvPr id="2040" name="Google Shape;2040;g46cb80779c_0_46:notes"/>
+          <p:cNvSpPr/>
+          <p:nvPr>
+            <p:ph idx="2" type="sldImg"/>
+          </p:nvPr>
+        </p:nvSpPr>
+        <p:spPr>
+          <a:xfrm>
+            <a:off x="381300" y="685800"/>
+            <a:ext cx="6096000" cy="3429000"/>
+          </a:xfrm>
+          <a:custGeom>
+            <a:rect b="b" l="l" r="r" t="t"/>
+            <a:pathLst>
+              <a:path extrusionOk="0" h="120000" w="120000">
+                <a:moveTo>
+                  <a:pt x="0" y="0"/>
+                </a:moveTo>
+                <a:lnTo>
+                  <a:pt x="120000" y="0"/>
+                </a:lnTo>
+                <a:lnTo>
+                  <a:pt x="120000" y="120000"/>
+                </a:lnTo>
+                <a:lnTo>
+                  <a:pt x="0" y="120000"/>
+                </a:lnTo>
+                <a:close/>
+              </a:path>
+            </a:pathLst>
+          </a:custGeom>
+        </p:spPr>
+      </p:sp>
+      <p:sp>
+        <p:nvSpPr>
+          <p:cNvPr id="2041" name="Google Shape;2041;g46cb80779c_0_46:notes"/>
+          <p:cNvSpPr txBox="1"/>
+          <p:nvPr>
+            <p:ph idx="1" type="body"/>
+          </p:nvPr>
+        </p:nvSpPr>
+        <p:spPr>
+          <a:xfrm>
+            <a:off x="685800" y="4343400"/>
+            <a:ext cx="5486400" cy="4114800"/>
+          </a:xfrm>
+          <a:prstGeom prst="rect">
+            <a:avLst/>
+          </a:prstGeom>
+        </p:spPr>
+        <p:txBody>
+          <a:bodyPr anchorCtr="0" anchor="t" bIns="91425" lIns="91425" spcFirstLastPara="1" rIns="91425" wrap="square" tIns="91425">
+            <a:noAutofit/>
+          </a:bodyPr>
+          <a:lstStyle/>
+          <a:p>
+            <a:pPr indent="0" lvl="0" marL="0" rtl="0" algn="l">
+              <a:spcBef>
+                <a:spcPts val="0"/>
+              </a:spcBef>
+              <a:spcAft>
+                <a:spcPts val="0"/>
+              </a:spcAft>
+              <a:buNone/>
+            </a:pPr>
+            <a:r>
+              <a:t/>
+            </a:r>
+            <a:endParaRPr/>
+          </a:p>
+        </p:txBody>
+      </p:sp>
+    </p:spTree>
+  </p:cSld>
+  <p:clrMapOvr>
+    <a:masterClrMapping/>
+  </p:clrMapOvr>
+</p:notes>
+</file>
+
+<file path=ppt/notesSlides/notesSlide16.xml><?xml version="1.0" encoding="utf-8"?>
+<p:notes xmlns:a="http://schemas.openxmlformats.org/drawingml/2006/main" xmlns:r="http://schemas.openxmlformats.org/officeDocument/2006/relationships" xmlns:mc="http://schemas.openxmlformats.org/markup-compatibility/2006" xmlns:mv="urn:schemas-microsoft-com:mac:vml" xmlns:p="http://schemas.openxmlformats.org/presentationml/2006/main" xmlns:c="http://schemas.openxmlformats.org/drawingml/2006/chart" xmlns:dgm="http://schemas.openxmlformats.org/drawingml/2006/diagram" xmlns:o="urn:schemas-microsoft-com:office:office" xmlns:v="urn:schemas-microsoft-com:vml" xmlns:pvml="urn:schemas-microsoft-com:office:powerpoint" xmlns:com="http://schemas.openxmlformats.org/drawingml/2006/compatibility" xmlns:p14="http://schemas.microsoft.com/office/powerpoint/2010/main" xmlns:p15="http://schemas.microsoft.com/office/powerpoint/2012/main" showMasterPhAnim="0" showMasterSp="0">
+  <p:cSld>
+    <p:spTree>
+      <p:nvGrpSpPr>
+        <p:cNvPr id="2045" name="Shape 2045"/>
+        <p:cNvGrpSpPr/>
+        <p:nvPr/>
+      </p:nvGrpSpPr>
+      <p:grpSpPr>
+        <a:xfrm>
+          <a:off x="0" y="0"/>
+          <a:ext cx="0" cy="0"/>
+          <a:chOff x="0" y="0"/>
+          <a:chExt cx="0" cy="0"/>
+        </a:xfrm>
+      </p:grpSpPr>
+      <p:sp>
+        <p:nvSpPr>
+          <p:cNvPr id="2046" name="Google Shape;2046;g46745afb04_1_165:notes"/>
+          <p:cNvSpPr/>
+          <p:nvPr>
+            <p:ph idx="2" type="sldImg"/>
+          </p:nvPr>
+        </p:nvSpPr>
+        <p:spPr>
+          <a:xfrm>
+            <a:off x="381300" y="685800"/>
+            <a:ext cx="6096000" cy="3429000"/>
+          </a:xfrm>
+          <a:custGeom>
+            <a:rect b="b" l="l" r="r" t="t"/>
+            <a:pathLst>
+              <a:path extrusionOk="0" h="120000" w="120000">
+                <a:moveTo>
+                  <a:pt x="0" y="0"/>
+                </a:moveTo>
+                <a:lnTo>
+                  <a:pt x="120000" y="0"/>
+                </a:lnTo>
+                <a:lnTo>
+                  <a:pt x="120000" y="120000"/>
+                </a:lnTo>
+                <a:lnTo>
+                  <a:pt x="0" y="120000"/>
+                </a:lnTo>
+                <a:close/>
+              </a:path>
+            </a:pathLst>
+          </a:custGeom>
+        </p:spPr>
+      </p:sp>
+      <p:sp>
+        <p:nvSpPr>
+          <p:cNvPr id="2047" name="Google Shape;2047;g46745afb04_1_165:notes"/>
           <p:cNvSpPr txBox="1"/>
           <p:nvPr>
             <p:ph idx="1" type="body"/>
@@ -1123,7 +1623,7 @@
       </p:grpSpPr>
       <p:sp>
         <p:nvSpPr>
-          <p:cNvPr id="286" name="Google Shape;286;g46745afb04_1_135:notes"/>
+          <p:cNvPr id="286" name="Google Shape;286;g47bd85a72e_1_70:notes"/>
           <p:cNvSpPr/>
           <p:nvPr>
             <p:ph idx="2" type="sldImg"/>
@@ -1158,7 +1658,7 @@
       </p:sp>
       <p:sp>
         <p:nvSpPr>
-          <p:cNvPr id="287" name="Google Shape;287;g46745afb04_1_135:notes"/>
+          <p:cNvPr id="287" name="Google Shape;287;g47bd85a72e_1_70:notes"/>
           <p:cNvSpPr txBox="1"/>
           <p:nvPr>
             <p:ph idx="1" type="body"/>
@@ -1288,7 +1788,15 @@
               <a:buNone/>
             </a:pPr>
             <a:r>
-              <a:t/>
+              <a:rPr lang="en" sz="1200">
+                <a:solidFill>
+                  <a:srgbClr val="24292E"/>
+                </a:solidFill>
+                <a:highlight>
+                  <a:srgbClr val="FFFFFF"/>
+                </a:highlight>
+              </a:rPr>
+              <a:t>the first part of our project is feature extraction. </a:t>
             </a:r>
             <a:endParaRPr/>
           </a:p>
@@ -1420,7 +1928,7 @@
       </p:grpSpPr>
       <p:sp>
         <p:nvSpPr>
-          <p:cNvPr id="1965" name="Google Shape;1965;g46745afb04_1_145:notes"/>
+          <p:cNvPr id="1965" name="Google Shape;1965;g46cb80779c_0_0:notes"/>
           <p:cNvSpPr/>
           <p:nvPr>
             <p:ph idx="2" type="sldImg"/>
@@ -1455,7 +1963,7 @@
       </p:sp>
       <p:sp>
         <p:nvSpPr>
-          <p:cNvPr id="1966" name="Google Shape;1966;g46745afb04_1_145:notes"/>
+          <p:cNvPr id="1966" name="Google Shape;1966;g46cb80779c_0_0:notes"/>
           <p:cNvSpPr txBox="1"/>
           <p:nvPr>
             <p:ph idx="1" type="body"/>
@@ -1486,7 +1994,70 @@
               <a:buNone/>
             </a:pPr>
             <a:r>
+              <a:rPr lang="en"/>
+              <a:t>Tuning for interaction.depth</a:t>
+            </a:r>
+            <a:endParaRPr/>
+          </a:p>
+          <a:p>
+            <a:pPr indent="0" lvl="0" marL="0" rtl="0" algn="l">
+              <a:spcBef>
+                <a:spcPts val="0"/>
+              </a:spcBef>
+              <a:spcAft>
+                <a:spcPts val="0"/>
+              </a:spcAft>
+              <a:buNone/>
+            </a:pPr>
+            <a:r>
               <a:t/>
+            </a:r>
+            <a:endParaRPr/>
+          </a:p>
+          <a:p>
+            <a:pPr indent="0" lvl="0" marL="0" rtl="0" algn="l">
+              <a:spcBef>
+                <a:spcPts val="0"/>
+              </a:spcBef>
+              <a:spcAft>
+                <a:spcPts val="0"/>
+              </a:spcAft>
+              <a:buNone/>
+            </a:pPr>
+            <a:r>
+              <a:rPr lang="en"/>
+              <a:t>Based on ?????how many pictures</a:t>
+            </a:r>
+            <a:endParaRPr/>
+          </a:p>
+          <a:p>
+            <a:pPr indent="0" lvl="0" marL="0" rtl="0" algn="l">
+              <a:spcBef>
+                <a:spcPts val="0"/>
+              </a:spcBef>
+              <a:spcAft>
+                <a:spcPts val="0"/>
+              </a:spcAft>
+              <a:buNone/>
+            </a:pPr>
+            <a:r>
+              <a:t/>
+            </a:r>
+            <a:endParaRPr/>
+          </a:p>
+          <a:p>
+            <a:pPr indent="0" lvl="0" marL="0" rtl="0" algn="l">
+              <a:spcBef>
+                <a:spcPts val="0"/>
+              </a:spcBef>
+              <a:spcAft>
+                <a:spcPts val="0"/>
+              </a:spcAft>
+              <a:buNone/>
+            </a:pPr>
+            <a:r>
+              <a:rPr lang="en"/>
+              <a:t>We decided to choose 9 because of the trade off between cv error and complexity </a:t>
             </a:r>
             <a:endParaRPr/>
           </a:p>
@@ -1505,7 +2076,7 @@
   <p:cSld>
     <p:spTree>
       <p:nvGrpSpPr>
-        <p:cNvPr id="1970" name="Shape 1970"/>
+        <p:cNvPr id="1975" name="Shape 1975"/>
         <p:cNvGrpSpPr/>
         <p:nvPr/>
       </p:nvGrpSpPr>
@@ -1519,7 +2090,7 @@
       </p:grpSpPr>
       <p:sp>
         <p:nvSpPr>
-          <p:cNvPr id="1971" name="Google Shape;1971;g46745afb04_1_150:notes"/>
+          <p:cNvPr id="1976" name="Google Shape;1976;g46cb80779c_0_15:notes"/>
           <p:cNvSpPr/>
           <p:nvPr>
             <p:ph idx="2" type="sldImg"/>
@@ -1554,7 +2125,7 @@
       </p:sp>
       <p:sp>
         <p:nvSpPr>
-          <p:cNvPr id="1972" name="Google Shape;1972;g46745afb04_1_150:notes"/>
+          <p:cNvPr id="1977" name="Google Shape;1977;g46cb80779c_0_15:notes"/>
           <p:cNvSpPr txBox="1"/>
           <p:nvPr>
             <p:ph idx="1" type="body"/>
@@ -1585,7 +2156,8 @@
               <a:buNone/>
             </a:pPr>
             <a:r>
-              <a:t/>
+              <a:rPr lang="en"/>
+              <a:t>Tuning for bag.fraction from ?????? change the graph  “interaction Depth”</a:t>
             </a:r>
             <a:endParaRPr/>
           </a:p>
@@ -1604,7 +2176,7 @@
   <p:cSld>
     <p:spTree>
       <p:nvGrpSpPr>
-        <p:cNvPr id="1983" name="Shape 1983"/>
+        <p:cNvPr id="1984" name="Shape 1984"/>
         <p:cNvGrpSpPr/>
         <p:nvPr/>
       </p:nvGrpSpPr>
@@ -1618,7 +2190,7 @@
       </p:grpSpPr>
       <p:sp>
         <p:nvSpPr>
-          <p:cNvPr id="1984" name="Google Shape;1984;g46745afb04_2_0:notes"/>
+          <p:cNvPr id="1985" name="Google Shape;1985;g47bd85a72e_3_13:notes"/>
           <p:cNvSpPr/>
           <p:nvPr>
             <p:ph idx="2" type="sldImg"/>
@@ -1653,7 +2225,7 @@
       </p:sp>
       <p:sp>
         <p:nvSpPr>
-          <p:cNvPr id="1985" name="Google Shape;1985;g46745afb04_2_0:notes"/>
+          <p:cNvPr id="1986" name="Google Shape;1986;g47bd85a72e_3_13:notes"/>
           <p:cNvSpPr txBox="1"/>
           <p:nvPr>
             <p:ph idx="1" type="body"/>
@@ -1703,7 +2275,7 @@
   <p:cSld>
     <p:spTree>
       <p:nvGrpSpPr>
-        <p:cNvPr id="1990" name="Shape 1990"/>
+        <p:cNvPr id="1993" name="Shape 1993"/>
         <p:cNvGrpSpPr/>
         <p:nvPr/>
       </p:nvGrpSpPr>
@@ -1717,7 +2289,7 @@
       </p:grpSpPr>
       <p:sp>
         <p:nvSpPr>
-          <p:cNvPr id="1991" name="Google Shape;1991;g46745afb04_1_155:notes"/>
+          <p:cNvPr id="1994" name="Google Shape;1994;g47bd85a72e_3_0:notes"/>
           <p:cNvSpPr/>
           <p:nvPr>
             <p:ph idx="2" type="sldImg"/>
@@ -1752,7 +2324,7 @@
       </p:sp>
       <p:sp>
         <p:nvSpPr>
-          <p:cNvPr id="1992" name="Google Shape;1992;g46745afb04_1_155:notes"/>
+          <p:cNvPr id="1995" name="Google Shape;1995;g47bd85a72e_3_0:notes"/>
           <p:cNvSpPr txBox="1"/>
           <p:nvPr>
             <p:ph idx="1" type="body"/>
@@ -1783,7 +2355,70 @@
               <a:buNone/>
             </a:pPr>
             <a:r>
+              <a:rPr lang="en"/>
+              <a:t>Tuning for interaction.depth</a:t>
+            </a:r>
+            <a:endParaRPr/>
+          </a:p>
+          <a:p>
+            <a:pPr indent="0" lvl="0" marL="0" rtl="0" algn="l">
+              <a:spcBef>
+                <a:spcPts val="0"/>
+              </a:spcBef>
+              <a:spcAft>
+                <a:spcPts val="0"/>
+              </a:spcAft>
+              <a:buNone/>
+            </a:pPr>
+            <a:r>
               <a:t/>
+            </a:r>
+            <a:endParaRPr/>
+          </a:p>
+          <a:p>
+            <a:pPr indent="0" lvl="0" marL="0" rtl="0" algn="l">
+              <a:spcBef>
+                <a:spcPts val="0"/>
+              </a:spcBef>
+              <a:spcAft>
+                <a:spcPts val="0"/>
+              </a:spcAft>
+              <a:buNone/>
+            </a:pPr>
+            <a:r>
+              <a:rPr lang="en"/>
+              <a:t>Based on ?????how many pictures</a:t>
+            </a:r>
+            <a:endParaRPr/>
+          </a:p>
+          <a:p>
+            <a:pPr indent="0" lvl="0" marL="0" rtl="0" algn="l">
+              <a:spcBef>
+                <a:spcPts val="0"/>
+              </a:spcBef>
+              <a:spcAft>
+                <a:spcPts val="0"/>
+              </a:spcAft>
+              <a:buNone/>
+            </a:pPr>
+            <a:r>
+              <a:t/>
+            </a:r>
+            <a:endParaRPr/>
+          </a:p>
+          <a:p>
+            <a:pPr indent="0" lvl="0" marL="0" rtl="0" algn="l">
+              <a:spcBef>
+                <a:spcPts val="0"/>
+              </a:spcBef>
+              <a:spcAft>
+                <a:spcPts val="0"/>
+              </a:spcAft>
+              <a:buNone/>
+            </a:pPr>
+            <a:r>
+              <a:rPr lang="en"/>
+              <a:t>We decided to choose 9 because of the trade off between cv error and complexity </a:t>
             </a:r>
             <a:endParaRPr/>
           </a:p>
@@ -16119,7 +16754,7 @@
             </a:pPr>
             <a:r>
               <a:rPr lang="en"/>
-              <a:t>GROUP 3</a:t>
+              <a:t>GROUP 4</a:t>
             </a:r>
             <a:endParaRPr/>
           </a:p>
@@ -16138,7 +16773,7 @@
   <p:cSld>
     <p:spTree>
       <p:nvGrpSpPr>
-        <p:cNvPr id="1999" name="Shape 1999"/>
+        <p:cNvPr id="2004" name="Shape 2004"/>
         <p:cNvGrpSpPr/>
         <p:nvPr/>
       </p:nvGrpSpPr>
@@ -16152,7 +16787,1455 @@
       </p:grpSpPr>
       <p:sp>
         <p:nvSpPr>
-          <p:cNvPr id="2000" name="Google Shape;2000;p22"/>
+          <p:cNvPr id="2005" name="Google Shape;2005;p22"/>
+          <p:cNvSpPr txBox="1"/>
+          <p:nvPr>
+            <p:ph type="title"/>
+          </p:nvPr>
+        </p:nvSpPr>
+        <p:spPr>
+          <a:xfrm>
+            <a:off x="1303800" y="598575"/>
+            <a:ext cx="7030500" cy="999300"/>
+          </a:xfrm>
+          <a:prstGeom prst="rect">
+            <a:avLst/>
+          </a:prstGeom>
+        </p:spPr>
+        <p:txBody>
+          <a:bodyPr anchorCtr="0" anchor="t" bIns="91425" lIns="91425" spcFirstLastPara="1" rIns="91425" wrap="square" tIns="91425">
+            <a:noAutofit/>
+          </a:bodyPr>
+          <a:lstStyle/>
+          <a:p>
+            <a:pPr indent="0" lvl="0" marL="0" rtl="0" algn="l">
+              <a:spcBef>
+                <a:spcPts val="0"/>
+              </a:spcBef>
+              <a:spcAft>
+                <a:spcPts val="0"/>
+              </a:spcAft>
+              <a:buNone/>
+            </a:pPr>
+            <a:r>
+              <a:rPr lang="en"/>
+              <a:t>Improved Model 1:</a:t>
+            </a:r>
+            <a:endParaRPr/>
+          </a:p>
+          <a:p>
+            <a:pPr indent="0" lvl="0" marL="0" rtl="0" algn="l">
+              <a:spcBef>
+                <a:spcPts val="0"/>
+              </a:spcBef>
+              <a:spcAft>
+                <a:spcPts val="0"/>
+              </a:spcAft>
+              <a:buNone/>
+            </a:pPr>
+            <a:r>
+              <a:rPr lang="en"/>
+              <a:t>Linear Regression Model</a:t>
+            </a:r>
+            <a:endParaRPr/>
+          </a:p>
+        </p:txBody>
+      </p:sp>
+      <p:sp>
+        <p:nvSpPr>
+          <p:cNvPr id="2006" name="Google Shape;2006;p22"/>
+          <p:cNvSpPr txBox="1"/>
+          <p:nvPr>
+            <p:ph idx="1" type="body"/>
+          </p:nvPr>
+        </p:nvSpPr>
+        <p:spPr>
+          <a:xfrm>
+            <a:off x="1303800" y="1609050"/>
+            <a:ext cx="7030500" cy="2541600"/>
+          </a:xfrm>
+          <a:prstGeom prst="rect">
+            <a:avLst/>
+          </a:prstGeom>
+        </p:spPr>
+        <p:txBody>
+          <a:bodyPr anchorCtr="0" anchor="t" bIns="91425" lIns="91425" spcFirstLastPara="1" rIns="91425" wrap="square" tIns="91425">
+            <a:noAutofit/>
+          </a:bodyPr>
+          <a:lstStyle/>
+          <a:p>
+            <a:pPr indent="0" lvl="0" marL="0" rtl="0" algn="l">
+              <a:lnSpc>
+                <a:spcPct val="100000"/>
+              </a:lnSpc>
+              <a:spcBef>
+                <a:spcPts val="0"/>
+              </a:spcBef>
+              <a:spcAft>
+                <a:spcPts val="0"/>
+              </a:spcAft>
+              <a:buNone/>
+            </a:pPr>
+            <a:r>
+              <a:rPr lang="en" sz="1200">
+                <a:solidFill>
+                  <a:srgbClr val="000000"/>
+                </a:solidFill>
+                <a:latin typeface="Arial"/>
+                <a:ea typeface="Arial"/>
+                <a:cs typeface="Arial"/>
+                <a:sym typeface="Arial"/>
+              </a:rPr>
+              <a:t>CV Error                   CV SD</a:t>
+            </a:r>
+            <a:endParaRPr sz="1200">
+              <a:solidFill>
+                <a:srgbClr val="000000"/>
+              </a:solidFill>
+              <a:latin typeface="Arial"/>
+              <a:ea typeface="Arial"/>
+              <a:cs typeface="Arial"/>
+              <a:sym typeface="Arial"/>
+            </a:endParaRPr>
+          </a:p>
+          <a:p>
+            <a:pPr indent="0" lvl="0" marL="0" rtl="0" algn="l">
+              <a:spcBef>
+                <a:spcPts val="0"/>
+              </a:spcBef>
+              <a:spcAft>
+                <a:spcPts val="0"/>
+              </a:spcAft>
+              <a:buNone/>
+            </a:pPr>
+            <a:r>
+              <a:rPr lang="en" sz="1200">
+                <a:solidFill>
+                  <a:srgbClr val="000000"/>
+                </a:solidFill>
+                <a:latin typeface="Arial"/>
+                <a:ea typeface="Arial"/>
+                <a:cs typeface="Arial"/>
+                <a:sym typeface="Arial"/>
+              </a:rPr>
+              <a:t>0.003924888   	1.261591e-05</a:t>
+            </a:r>
+            <a:endParaRPr sz="1200">
+              <a:solidFill>
+                <a:srgbClr val="000000"/>
+              </a:solidFill>
+              <a:latin typeface="Arial"/>
+              <a:ea typeface="Arial"/>
+              <a:cs typeface="Arial"/>
+              <a:sym typeface="Arial"/>
+            </a:endParaRPr>
+          </a:p>
+          <a:p>
+            <a:pPr indent="0" lvl="0" marL="0" rtl="0" algn="l">
+              <a:spcBef>
+                <a:spcPts val="0"/>
+              </a:spcBef>
+              <a:spcAft>
+                <a:spcPts val="0"/>
+              </a:spcAft>
+              <a:buNone/>
+            </a:pPr>
+            <a:r>
+              <a:rPr lang="en" sz="1200">
+                <a:solidFill>
+                  <a:srgbClr val="000000"/>
+                </a:solidFill>
+                <a:latin typeface="Arial"/>
+                <a:ea typeface="Arial"/>
+                <a:cs typeface="Arial"/>
+                <a:sym typeface="Arial"/>
+              </a:rPr>
+              <a:t>0.003924903   	1.261189e-05</a:t>
+            </a:r>
+            <a:endParaRPr sz="1200">
+              <a:solidFill>
+                <a:srgbClr val="000000"/>
+              </a:solidFill>
+              <a:latin typeface="Arial"/>
+              <a:ea typeface="Arial"/>
+              <a:cs typeface="Arial"/>
+              <a:sym typeface="Arial"/>
+            </a:endParaRPr>
+          </a:p>
+          <a:p>
+            <a:pPr indent="0" lvl="0" marL="0" rtl="0" algn="l">
+              <a:spcBef>
+                <a:spcPts val="0"/>
+              </a:spcBef>
+              <a:spcAft>
+                <a:spcPts val="0"/>
+              </a:spcAft>
+              <a:buNone/>
+            </a:pPr>
+            <a:r>
+              <a:rPr lang="en" sz="1200">
+                <a:solidFill>
+                  <a:srgbClr val="000000"/>
+                </a:solidFill>
+                <a:latin typeface="Arial"/>
+                <a:ea typeface="Arial"/>
+                <a:cs typeface="Arial"/>
+                <a:sym typeface="Arial"/>
+              </a:rPr>
+              <a:t>0.003924903   	2.541378e-05</a:t>
+            </a:r>
+            <a:endParaRPr sz="1200">
+              <a:solidFill>
+                <a:srgbClr val="000000"/>
+              </a:solidFill>
+              <a:latin typeface="Arial"/>
+              <a:ea typeface="Arial"/>
+              <a:cs typeface="Arial"/>
+              <a:sym typeface="Arial"/>
+            </a:endParaRPr>
+          </a:p>
+          <a:p>
+            <a:pPr indent="0" lvl="0" marL="0" rtl="0" algn="l">
+              <a:spcBef>
+                <a:spcPts val="0"/>
+              </a:spcBef>
+              <a:spcAft>
+                <a:spcPts val="0"/>
+              </a:spcAft>
+              <a:buNone/>
+            </a:pPr>
+            <a:r>
+              <a:rPr lang="en" sz="1200">
+                <a:solidFill>
+                  <a:srgbClr val="000000"/>
+                </a:solidFill>
+                <a:latin typeface="Arial"/>
+                <a:ea typeface="Arial"/>
+                <a:cs typeface="Arial"/>
+                <a:sym typeface="Arial"/>
+              </a:rPr>
+              <a:t>0.003924916   	1.011375e-05</a:t>
+            </a:r>
+            <a:endParaRPr sz="1200">
+              <a:solidFill>
+                <a:srgbClr val="000000"/>
+              </a:solidFill>
+              <a:latin typeface="Arial"/>
+              <a:ea typeface="Arial"/>
+              <a:cs typeface="Arial"/>
+              <a:sym typeface="Arial"/>
+            </a:endParaRPr>
+          </a:p>
+          <a:p>
+            <a:pPr indent="0" lvl="0" marL="0" rtl="0" algn="l">
+              <a:spcBef>
+                <a:spcPts val="0"/>
+              </a:spcBef>
+              <a:spcAft>
+                <a:spcPts val="0"/>
+              </a:spcAft>
+              <a:buNone/>
+            </a:pPr>
+            <a:r>
+              <a:rPr lang="en" sz="1200">
+                <a:solidFill>
+                  <a:srgbClr val="000000"/>
+                </a:solidFill>
+                <a:latin typeface="Arial"/>
+                <a:ea typeface="Arial"/>
+                <a:cs typeface="Arial"/>
+                <a:sym typeface="Arial"/>
+              </a:rPr>
+              <a:t>0.003924987   	1.263777e-05</a:t>
+            </a:r>
+            <a:endParaRPr sz="1200">
+              <a:solidFill>
+                <a:srgbClr val="000000"/>
+              </a:solidFill>
+              <a:latin typeface="Arial"/>
+              <a:ea typeface="Arial"/>
+              <a:cs typeface="Arial"/>
+              <a:sym typeface="Arial"/>
+            </a:endParaRPr>
+          </a:p>
+          <a:p>
+            <a:pPr indent="0" lvl="0" marL="0" rtl="0" algn="l">
+              <a:spcBef>
+                <a:spcPts val="0"/>
+              </a:spcBef>
+              <a:spcAft>
+                <a:spcPts val="1600"/>
+              </a:spcAft>
+              <a:buNone/>
+            </a:pPr>
+            <a:r>
+              <a:t/>
+            </a:r>
+            <a:endParaRPr>
+              <a:solidFill>
+                <a:srgbClr val="000000"/>
+              </a:solidFill>
+              <a:latin typeface="Arial"/>
+              <a:ea typeface="Arial"/>
+              <a:cs typeface="Arial"/>
+              <a:sym typeface="Arial"/>
+            </a:endParaRPr>
+          </a:p>
+        </p:txBody>
+      </p:sp>
+      <p:sp>
+        <p:nvSpPr>
+          <p:cNvPr id="2007" name="Google Shape;2007;p22"/>
+          <p:cNvSpPr txBox="1"/>
+          <p:nvPr/>
+        </p:nvSpPr>
+        <p:spPr>
+          <a:xfrm>
+            <a:off x="1264175" y="3007050"/>
+            <a:ext cx="7030500" cy="1677000"/>
+          </a:xfrm>
+          <a:prstGeom prst="rect">
+            <a:avLst/>
+          </a:prstGeom>
+          <a:noFill/>
+          <a:ln>
+            <a:noFill/>
+          </a:ln>
+        </p:spPr>
+        <p:txBody>
+          <a:bodyPr anchorCtr="0" anchor="ctr" bIns="91425" lIns="91425" spcFirstLastPara="1" rIns="91425" wrap="square" tIns="91425">
+            <a:noAutofit/>
+          </a:bodyPr>
+          <a:lstStyle/>
+          <a:p>
+            <a:pPr indent="0" lvl="0" marL="0" rtl="0" algn="l">
+              <a:lnSpc>
+                <a:spcPct val="115000"/>
+              </a:lnSpc>
+              <a:spcBef>
+                <a:spcPts val="0"/>
+              </a:spcBef>
+              <a:spcAft>
+                <a:spcPts val="0"/>
+              </a:spcAft>
+              <a:buNone/>
+            </a:pPr>
+            <a:r>
+              <a:rPr lang="en" sz="1500">
+                <a:solidFill>
+                  <a:schemeClr val="dk2"/>
+                </a:solidFill>
+                <a:latin typeface="Nunito"/>
+                <a:ea typeface="Nunito"/>
+                <a:cs typeface="Nunito"/>
+                <a:sym typeface="Nunito"/>
+              </a:rPr>
+              <a:t>The linear regression would achieve the goal of being faster. And as the result shows, it also better than the baseline model we used. </a:t>
+            </a:r>
+            <a:endParaRPr sz="1500">
+              <a:solidFill>
+                <a:schemeClr val="dk2"/>
+              </a:solidFill>
+              <a:latin typeface="Nunito"/>
+              <a:ea typeface="Nunito"/>
+              <a:cs typeface="Nunito"/>
+              <a:sym typeface="Nunito"/>
+            </a:endParaRPr>
+          </a:p>
+          <a:p>
+            <a:pPr indent="0" lvl="0" marL="0" rtl="0" algn="l">
+              <a:lnSpc>
+                <a:spcPct val="115000"/>
+              </a:lnSpc>
+              <a:spcBef>
+                <a:spcPts val="1600"/>
+              </a:spcBef>
+              <a:spcAft>
+                <a:spcPts val="1600"/>
+              </a:spcAft>
+              <a:buNone/>
+            </a:pPr>
+            <a:r>
+              <a:rPr lang="en" sz="1500">
+                <a:solidFill>
+                  <a:schemeClr val="dk2"/>
+                </a:solidFill>
+                <a:latin typeface="Nunito"/>
+                <a:ea typeface="Nunito"/>
+                <a:cs typeface="Nunito"/>
+                <a:sym typeface="Nunito"/>
+              </a:rPr>
+              <a:t>However, the </a:t>
+            </a:r>
+            <a:r>
+              <a:rPr lang="en" sz="1500">
+                <a:solidFill>
+                  <a:schemeClr val="dk2"/>
+                </a:solidFill>
+                <a:latin typeface="Nunito"/>
+                <a:ea typeface="Nunito"/>
+                <a:cs typeface="Nunito"/>
+                <a:sym typeface="Nunito"/>
+              </a:rPr>
+              <a:t>clear disadvantage of linear regression is that Linear Regression over simplifies many real world problems. </a:t>
+            </a:r>
+            <a:endParaRPr/>
+          </a:p>
+        </p:txBody>
+      </p:sp>
+    </p:spTree>
+  </p:cSld>
+  <p:clrMapOvr>
+    <a:masterClrMapping/>
+  </p:clrMapOvr>
+</p:sld>
+</file>
+
+<file path=ppt/slides/slide11.xml><?xml version="1.0" encoding="utf-8"?>
+<p:sld xmlns:a="http://schemas.openxmlformats.org/drawingml/2006/main" xmlns:r="http://schemas.openxmlformats.org/officeDocument/2006/relationships" xmlns:mc="http://schemas.openxmlformats.org/markup-compatibility/2006" xmlns:mv="urn:schemas-microsoft-com:mac:vml" xmlns:p="http://schemas.openxmlformats.org/presentationml/2006/main" xmlns:c="http://schemas.openxmlformats.org/drawingml/2006/chart" xmlns:dgm="http://schemas.openxmlformats.org/drawingml/2006/diagram" xmlns:o="urn:schemas-microsoft-com:office:office" xmlns:v="urn:schemas-microsoft-com:vml" xmlns:pvml="urn:schemas-microsoft-com:office:powerpoint" xmlns:com="http://schemas.openxmlformats.org/drawingml/2006/compatibility" xmlns:p14="http://schemas.microsoft.com/office/powerpoint/2010/main" xmlns:p15="http://schemas.microsoft.com/office/powerpoint/2012/main">
+  <p:cSld>
+    <p:spTree>
+      <p:nvGrpSpPr>
+        <p:cNvPr id="2011" name="Shape 2011"/>
+        <p:cNvGrpSpPr/>
+        <p:nvPr/>
+      </p:nvGrpSpPr>
+      <p:grpSpPr>
+        <a:xfrm>
+          <a:off x="0" y="0"/>
+          <a:ext cx="0" cy="0"/>
+          <a:chOff x="0" y="0"/>
+          <a:chExt cx="0" cy="0"/>
+        </a:xfrm>
+      </p:grpSpPr>
+      <p:sp>
+        <p:nvSpPr>
+          <p:cNvPr id="2012" name="Google Shape;2012;p23"/>
+          <p:cNvSpPr txBox="1"/>
+          <p:nvPr>
+            <p:ph type="title"/>
+          </p:nvPr>
+        </p:nvSpPr>
+        <p:spPr>
+          <a:xfrm>
+            <a:off x="1303800" y="89725"/>
+            <a:ext cx="7030500" cy="553200"/>
+          </a:xfrm>
+          <a:prstGeom prst="rect">
+            <a:avLst/>
+          </a:prstGeom>
+        </p:spPr>
+        <p:txBody>
+          <a:bodyPr anchorCtr="0" anchor="t" bIns="91425" lIns="91425" spcFirstLastPara="1" rIns="91425" wrap="square" tIns="91425">
+            <a:noAutofit/>
+          </a:bodyPr>
+          <a:lstStyle/>
+          <a:p>
+            <a:pPr indent="0" lvl="0" marL="0" rtl="0" algn="l">
+              <a:spcBef>
+                <a:spcPts val="0"/>
+              </a:spcBef>
+              <a:spcAft>
+                <a:spcPts val="0"/>
+              </a:spcAft>
+              <a:buNone/>
+            </a:pPr>
+            <a:r>
+              <a:rPr lang="en"/>
+              <a:t>Improved Model 2:</a:t>
+            </a:r>
+            <a:endParaRPr/>
+          </a:p>
+          <a:p>
+            <a:pPr indent="0" lvl="0" marL="0" rtl="0" algn="l">
+              <a:spcBef>
+                <a:spcPts val="0"/>
+              </a:spcBef>
+              <a:spcAft>
+                <a:spcPts val="0"/>
+              </a:spcAft>
+              <a:buNone/>
+            </a:pPr>
+            <a:r>
+              <a:rPr lang="en"/>
+              <a:t>XGBoost Model</a:t>
+            </a:r>
+            <a:endParaRPr/>
+          </a:p>
+        </p:txBody>
+      </p:sp>
+      <p:sp>
+        <p:nvSpPr>
+          <p:cNvPr id="2013" name="Google Shape;2013;p23"/>
+          <p:cNvSpPr txBox="1"/>
+          <p:nvPr>
+            <p:ph idx="1" type="body"/>
+          </p:nvPr>
+        </p:nvSpPr>
+        <p:spPr>
+          <a:xfrm>
+            <a:off x="1303800" y="1039450"/>
+            <a:ext cx="7030500" cy="553200"/>
+          </a:xfrm>
+          <a:prstGeom prst="rect">
+            <a:avLst/>
+          </a:prstGeom>
+        </p:spPr>
+        <p:txBody>
+          <a:bodyPr anchorCtr="0" anchor="t" bIns="91425" lIns="91425" spcFirstLastPara="1" rIns="91425" wrap="square" tIns="91425">
+            <a:noAutofit/>
+          </a:bodyPr>
+          <a:lstStyle/>
+          <a:p>
+            <a:pPr indent="0" lvl="0" marL="0" rtl="0" algn="l">
+              <a:spcBef>
+                <a:spcPts val="0"/>
+              </a:spcBef>
+              <a:spcAft>
+                <a:spcPts val="1600"/>
+              </a:spcAft>
+              <a:buNone/>
+            </a:pPr>
+            <a:r>
+              <a:rPr lang="en" sz="1200">
+                <a:solidFill>
+                  <a:srgbClr val="222222"/>
+                </a:solidFill>
+                <a:highlight>
+                  <a:srgbClr val="FFFFFF"/>
+                </a:highlight>
+                <a:latin typeface="Arial"/>
+                <a:ea typeface="Arial"/>
+                <a:cs typeface="Arial"/>
+                <a:sym typeface="Arial"/>
+              </a:rPr>
+              <a:t>Tune: This result was generated changing the maximum number of iterations in the training. This controls the maximum number of iterations required for gradient descent to converge. </a:t>
+            </a:r>
+            <a:endParaRPr sz="1200">
+              <a:solidFill>
+                <a:srgbClr val="222222"/>
+              </a:solidFill>
+              <a:highlight>
+                <a:srgbClr val="FFFFFF"/>
+              </a:highlight>
+              <a:latin typeface="Arial"/>
+              <a:ea typeface="Arial"/>
+              <a:cs typeface="Arial"/>
+              <a:sym typeface="Arial"/>
+            </a:endParaRPr>
+          </a:p>
+        </p:txBody>
+      </p:sp>
+      <p:sp>
+        <p:nvSpPr>
+          <p:cNvPr id="2014" name="Google Shape;2014;p23"/>
+          <p:cNvSpPr txBox="1"/>
+          <p:nvPr/>
+        </p:nvSpPr>
+        <p:spPr>
+          <a:xfrm>
+            <a:off x="612400" y="1645600"/>
+            <a:ext cx="2277000" cy="309900"/>
+          </a:xfrm>
+          <a:prstGeom prst="rect">
+            <a:avLst/>
+          </a:prstGeom>
+          <a:noFill/>
+          <a:ln>
+            <a:noFill/>
+          </a:ln>
+        </p:spPr>
+        <p:txBody>
+          <a:bodyPr anchorCtr="0" anchor="t" bIns="91425" lIns="91425" spcFirstLastPara="1" rIns="91425" wrap="square" tIns="91425">
+            <a:noAutofit/>
+          </a:bodyPr>
+          <a:lstStyle/>
+          <a:p>
+            <a:pPr indent="0" lvl="0" marL="0" rtl="0" algn="l">
+              <a:spcBef>
+                <a:spcPts val="0"/>
+              </a:spcBef>
+              <a:spcAft>
+                <a:spcPts val="0"/>
+              </a:spcAft>
+              <a:buNone/>
+            </a:pPr>
+            <a:r>
+              <a:rPr lang="en" sz="1200"/>
+              <a:t>CV Error                   CV SD</a:t>
+            </a:r>
+            <a:endParaRPr sz="1200"/>
+          </a:p>
+        </p:txBody>
+      </p:sp>
+      <p:pic>
+        <p:nvPicPr>
+          <p:cNvPr id="2015" name="Google Shape;2015;p23"/>
+          <p:cNvPicPr preferRelativeResize="0"/>
+          <p:nvPr/>
+        </p:nvPicPr>
+        <p:blipFill rotWithShape="1">
+          <a:blip r:embed="rId3">
+            <a:alphaModFix/>
+          </a:blip>
+          <a:srcRect b="8433" l="0" r="0" t="0"/>
+          <a:stretch/>
+        </p:blipFill>
+        <p:spPr>
+          <a:xfrm>
+            <a:off x="336500" y="2028649"/>
+            <a:ext cx="2734025" cy="736925"/>
+          </a:xfrm>
+          <a:prstGeom prst="rect">
+            <a:avLst/>
+          </a:prstGeom>
+          <a:noFill/>
+          <a:ln>
+            <a:noFill/>
+          </a:ln>
+        </p:spPr>
+      </p:pic>
+      <p:pic>
+        <p:nvPicPr>
+          <p:cNvPr id="2016" name="Google Shape;2016;p23"/>
+          <p:cNvPicPr preferRelativeResize="0"/>
+          <p:nvPr/>
+        </p:nvPicPr>
+        <p:blipFill rotWithShape="1">
+          <a:blip r:embed="rId4">
+            <a:alphaModFix/>
+          </a:blip>
+          <a:srcRect b="7071" l="0" r="0" t="0"/>
+          <a:stretch/>
+        </p:blipFill>
+        <p:spPr>
+          <a:xfrm>
+            <a:off x="2895800" y="1645600"/>
+            <a:ext cx="5978401" cy="3296675"/>
+          </a:xfrm>
+          <a:prstGeom prst="rect">
+            <a:avLst/>
+          </a:prstGeom>
+          <a:noFill/>
+          <a:ln>
+            <a:noFill/>
+          </a:ln>
+        </p:spPr>
+      </p:pic>
+    </p:spTree>
+  </p:cSld>
+  <p:clrMapOvr>
+    <a:masterClrMapping/>
+  </p:clrMapOvr>
+</p:sld>
+</file>
+
+<file path=ppt/slides/slide12.xml><?xml version="1.0" encoding="utf-8"?>
+<p:sld xmlns:a="http://schemas.openxmlformats.org/drawingml/2006/main" xmlns:r="http://schemas.openxmlformats.org/officeDocument/2006/relationships" xmlns:mc="http://schemas.openxmlformats.org/markup-compatibility/2006" xmlns:mv="urn:schemas-microsoft-com:mac:vml" xmlns:p="http://schemas.openxmlformats.org/presentationml/2006/main" xmlns:c="http://schemas.openxmlformats.org/drawingml/2006/chart" xmlns:dgm="http://schemas.openxmlformats.org/drawingml/2006/diagram" xmlns:o="urn:schemas-microsoft-com:office:office" xmlns:v="urn:schemas-microsoft-com:vml" xmlns:pvml="urn:schemas-microsoft-com:office:powerpoint" xmlns:com="http://schemas.openxmlformats.org/drawingml/2006/compatibility" xmlns:p14="http://schemas.microsoft.com/office/powerpoint/2010/main" xmlns:p15="http://schemas.microsoft.com/office/powerpoint/2012/main">
+  <p:cSld>
+    <p:spTree>
+      <p:nvGrpSpPr>
+        <p:cNvPr id="2020" name="Shape 2020"/>
+        <p:cNvGrpSpPr/>
+        <p:nvPr/>
+      </p:nvGrpSpPr>
+      <p:grpSpPr>
+        <a:xfrm>
+          <a:off x="0" y="0"/>
+          <a:ext cx="0" cy="0"/>
+          <a:chOff x="0" y="0"/>
+          <a:chExt cx="0" cy="0"/>
+        </a:xfrm>
+      </p:grpSpPr>
+      <p:sp>
+        <p:nvSpPr>
+          <p:cNvPr id="2021" name="Google Shape;2021;p24"/>
+          <p:cNvSpPr txBox="1"/>
+          <p:nvPr>
+            <p:ph type="title"/>
+          </p:nvPr>
+        </p:nvSpPr>
+        <p:spPr>
+          <a:xfrm>
+            <a:off x="1303800" y="598575"/>
+            <a:ext cx="7030500" cy="999300"/>
+          </a:xfrm>
+          <a:prstGeom prst="rect">
+            <a:avLst/>
+          </a:prstGeom>
+        </p:spPr>
+        <p:txBody>
+          <a:bodyPr anchorCtr="0" anchor="t" bIns="91425" lIns="91425" spcFirstLastPara="1" rIns="91425" wrap="square" tIns="91425">
+            <a:noAutofit/>
+          </a:bodyPr>
+          <a:lstStyle/>
+          <a:p>
+            <a:pPr indent="0" lvl="0" marL="0" rtl="0" algn="l">
+              <a:spcBef>
+                <a:spcPts val="0"/>
+              </a:spcBef>
+              <a:spcAft>
+                <a:spcPts val="0"/>
+              </a:spcAft>
+              <a:buNone/>
+            </a:pPr>
+            <a:r>
+              <a:rPr lang="en"/>
+              <a:t>SUMMARY</a:t>
+            </a:r>
+            <a:endParaRPr/>
+          </a:p>
+        </p:txBody>
+      </p:sp>
+      <p:sp>
+        <p:nvSpPr>
+          <p:cNvPr id="2022" name="Google Shape;2022;p24"/>
+          <p:cNvSpPr txBox="1"/>
+          <p:nvPr>
+            <p:ph idx="1" type="body"/>
+          </p:nvPr>
+        </p:nvSpPr>
+        <p:spPr>
+          <a:xfrm>
+            <a:off x="1303800" y="1609050"/>
+            <a:ext cx="3430500" cy="2541600"/>
+          </a:xfrm>
+          <a:prstGeom prst="rect">
+            <a:avLst/>
+          </a:prstGeom>
+        </p:spPr>
+        <p:txBody>
+          <a:bodyPr anchorCtr="0" anchor="t" bIns="91425" lIns="91425" spcFirstLastPara="1" rIns="91425" wrap="square" tIns="91425">
+            <a:noAutofit/>
+          </a:bodyPr>
+          <a:lstStyle/>
+          <a:p>
+            <a:pPr indent="0" lvl="0" marL="0" rtl="0" algn="l">
+              <a:spcBef>
+                <a:spcPts val="0"/>
+              </a:spcBef>
+              <a:spcAft>
+                <a:spcPts val="1600"/>
+              </a:spcAft>
+              <a:buNone/>
+            </a:pPr>
+            <a:r>
+              <a:rPr lang="en"/>
+              <a:t>Original Picture</a:t>
+            </a:r>
+            <a:endParaRPr/>
+          </a:p>
+        </p:txBody>
+      </p:sp>
+      <p:sp>
+        <p:nvSpPr>
+          <p:cNvPr id="2023" name="Google Shape;2023;p24"/>
+          <p:cNvSpPr txBox="1"/>
+          <p:nvPr>
+            <p:ph idx="2" type="body"/>
+          </p:nvPr>
+        </p:nvSpPr>
+        <p:spPr>
+          <a:xfrm>
+            <a:off x="4903650" y="1609050"/>
+            <a:ext cx="3430500" cy="2541600"/>
+          </a:xfrm>
+          <a:prstGeom prst="rect">
+            <a:avLst/>
+          </a:prstGeom>
+        </p:spPr>
+        <p:txBody>
+          <a:bodyPr anchorCtr="0" anchor="t" bIns="91425" lIns="91425" spcFirstLastPara="1" rIns="91425" wrap="square" tIns="91425">
+            <a:noAutofit/>
+          </a:bodyPr>
+          <a:lstStyle/>
+          <a:p>
+            <a:pPr indent="0" lvl="0" marL="0" rtl="0" algn="l">
+              <a:spcBef>
+                <a:spcPts val="0"/>
+              </a:spcBef>
+              <a:spcAft>
+                <a:spcPts val="1600"/>
+              </a:spcAft>
+              <a:buNone/>
+            </a:pPr>
+            <a:r>
+              <a:rPr lang="en"/>
+              <a:t>Improved </a:t>
+            </a:r>
+            <a:r>
+              <a:rPr lang="en"/>
+              <a:t>Model: XGBoosting</a:t>
+            </a:r>
+            <a:endParaRPr/>
+          </a:p>
+        </p:txBody>
+      </p:sp>
+      <p:pic>
+        <p:nvPicPr>
+          <p:cNvPr id="2024" name="Google Shape;2024;p24"/>
+          <p:cNvPicPr preferRelativeResize="0"/>
+          <p:nvPr/>
+        </p:nvPicPr>
+        <p:blipFill>
+          <a:blip r:embed="rId3">
+            <a:alphaModFix/>
+          </a:blip>
+          <a:stretch>
+            <a:fillRect/>
+          </a:stretch>
+        </p:blipFill>
+        <p:spPr>
+          <a:xfrm>
+            <a:off x="1378850" y="2115373"/>
+            <a:ext cx="2387550" cy="1343000"/>
+          </a:xfrm>
+          <a:prstGeom prst="rect">
+            <a:avLst/>
+          </a:prstGeom>
+          <a:noFill/>
+          <a:ln>
+            <a:noFill/>
+          </a:ln>
+        </p:spPr>
+      </p:pic>
+      <p:pic>
+        <p:nvPicPr>
+          <p:cNvPr id="2025" name="Google Shape;2025;p24"/>
+          <p:cNvPicPr preferRelativeResize="0"/>
+          <p:nvPr/>
+        </p:nvPicPr>
+        <p:blipFill>
+          <a:blip r:embed="rId4">
+            <a:alphaModFix/>
+          </a:blip>
+          <a:stretch>
+            <a:fillRect/>
+          </a:stretch>
+        </p:blipFill>
+        <p:spPr>
+          <a:xfrm>
+            <a:off x="4903650" y="2115375"/>
+            <a:ext cx="3101475" cy="1744575"/>
+          </a:xfrm>
+          <a:prstGeom prst="rect">
+            <a:avLst/>
+          </a:prstGeom>
+          <a:noFill/>
+          <a:ln>
+            <a:noFill/>
+          </a:ln>
+        </p:spPr>
+      </p:pic>
+    </p:spTree>
+  </p:cSld>
+  <p:clrMapOvr>
+    <a:masterClrMapping/>
+  </p:clrMapOvr>
+</p:sld>
+</file>
+
+<file path=ppt/slides/slide13.xml><?xml version="1.0" encoding="utf-8"?>
+<p:sld xmlns:a="http://schemas.openxmlformats.org/drawingml/2006/main" xmlns:r="http://schemas.openxmlformats.org/officeDocument/2006/relationships" xmlns:mc="http://schemas.openxmlformats.org/markup-compatibility/2006" xmlns:mv="urn:schemas-microsoft-com:mac:vml" xmlns:p="http://schemas.openxmlformats.org/presentationml/2006/main" xmlns:c="http://schemas.openxmlformats.org/drawingml/2006/chart" xmlns:dgm="http://schemas.openxmlformats.org/drawingml/2006/diagram" xmlns:o="urn:schemas-microsoft-com:office:office" xmlns:v="urn:schemas-microsoft-com:vml" xmlns:pvml="urn:schemas-microsoft-com:office:powerpoint" xmlns:com="http://schemas.openxmlformats.org/drawingml/2006/compatibility" xmlns:p14="http://schemas.microsoft.com/office/powerpoint/2010/main" xmlns:p15="http://schemas.microsoft.com/office/powerpoint/2012/main">
+  <p:cSld>
+    <p:spTree>
+      <p:nvGrpSpPr>
+        <p:cNvPr id="2029" name="Shape 2029"/>
+        <p:cNvGrpSpPr/>
+        <p:nvPr/>
+      </p:nvGrpSpPr>
+      <p:grpSpPr>
+        <a:xfrm>
+          <a:off x="0" y="0"/>
+          <a:ext cx="0" cy="0"/>
+          <a:chOff x="0" y="0"/>
+          <a:chExt cx="0" cy="0"/>
+        </a:xfrm>
+      </p:grpSpPr>
+      <p:sp>
+        <p:nvSpPr>
+          <p:cNvPr id="2030" name="Google Shape;2030;p25"/>
+          <p:cNvSpPr txBox="1"/>
+          <p:nvPr>
+            <p:ph type="title"/>
+          </p:nvPr>
+        </p:nvSpPr>
+        <p:spPr>
+          <a:xfrm>
+            <a:off x="1303800" y="598575"/>
+            <a:ext cx="7030500" cy="999300"/>
+          </a:xfrm>
+          <a:prstGeom prst="rect">
+            <a:avLst/>
+          </a:prstGeom>
+        </p:spPr>
+        <p:txBody>
+          <a:bodyPr anchorCtr="0" anchor="t" bIns="91425" lIns="91425" spcFirstLastPara="1" rIns="91425" wrap="square" tIns="91425">
+            <a:noAutofit/>
+          </a:bodyPr>
+          <a:lstStyle/>
+          <a:p>
+            <a:pPr indent="0" lvl="0" marL="0" rtl="0" algn="l">
+              <a:spcBef>
+                <a:spcPts val="0"/>
+              </a:spcBef>
+              <a:spcAft>
+                <a:spcPts val="0"/>
+              </a:spcAft>
+              <a:buNone/>
+            </a:pPr>
+            <a:r>
+              <a:rPr lang="en"/>
+              <a:t>SUMMARY</a:t>
+            </a:r>
+            <a:endParaRPr/>
+          </a:p>
+        </p:txBody>
+      </p:sp>
+      <p:graphicFrame>
+        <p:nvGraphicFramePr>
+          <p:cNvPr id="2031" name="Google Shape;2031;p25"/>
+          <p:cNvGraphicFramePr/>
+          <p:nvPr/>
+        </p:nvGraphicFramePr>
+        <p:xfrm>
+          <a:off x="952500" y="1619250"/>
+          <a:ext cx="3000000" cy="3000000"/>
+        </p:xfrm>
+        <a:graphic>
+          <a:graphicData uri="http://schemas.openxmlformats.org/drawingml/2006/table">
+            <a:tbl>
+              <a:tblPr>
+                <a:noFill/>
+                <a:tableStyleId>{A72C62D1-E4AF-49FE-B59B-CCC722248412}</a:tableStyleId>
+              </a:tblPr>
+              <a:tblGrid>
+                <a:gridCol w="3619500"/>
+                <a:gridCol w="3619500"/>
+              </a:tblGrid>
+              <a:tr h="381000">
+                <a:tc>
+                  <a:txBody>
+                    <a:bodyPr>
+                      <a:noAutofit/>
+                    </a:bodyPr>
+                    <a:lstStyle/>
+                    <a:p>
+                      <a:pPr indent="0" lvl="0" marL="0" rtl="0" algn="l">
+                        <a:spcBef>
+                          <a:spcPts val="0"/>
+                        </a:spcBef>
+                        <a:spcAft>
+                          <a:spcPts val="0"/>
+                        </a:spcAft>
+                        <a:buNone/>
+                      </a:pPr>
+                      <a:r>
+                        <a:rPr lang="en"/>
+                        <a:t>Feature extraction time</a:t>
+                      </a:r>
+                      <a:endParaRPr/>
+                    </a:p>
+                  </a:txBody>
+                  <a:tcPr marT="91425" marB="91425" marR="91425" marL="91425"/>
+                </a:tc>
+                <a:tc>
+                  <a:txBody>
+                    <a:bodyPr>
+                      <a:noAutofit/>
+                    </a:bodyPr>
+                    <a:lstStyle/>
+                    <a:p>
+                      <a:pPr indent="0" lvl="0" marL="0" rtl="0" algn="l">
+                        <a:spcBef>
+                          <a:spcPts val="0"/>
+                        </a:spcBef>
+                        <a:spcAft>
+                          <a:spcPts val="0"/>
+                        </a:spcAft>
+                        <a:buNone/>
+                      </a:pPr>
+                      <a:r>
+                        <a:rPr lang="en"/>
+                        <a:t>1-2 minutes</a:t>
+                      </a:r>
+                      <a:endParaRPr/>
+                    </a:p>
+                  </a:txBody>
+                  <a:tcPr marT="91425" marB="91425" marR="91425" marL="91425"/>
+                </a:tc>
+              </a:tr>
+            </a:tbl>
+          </a:graphicData>
+        </a:graphic>
+      </p:graphicFrame>
+      <p:graphicFrame>
+        <p:nvGraphicFramePr>
+          <p:cNvPr id="2032" name="Google Shape;2032;p25"/>
+          <p:cNvGraphicFramePr/>
+          <p:nvPr/>
+        </p:nvGraphicFramePr>
+        <p:xfrm>
+          <a:off x="952500" y="2228850"/>
+          <a:ext cx="3000000" cy="3000000"/>
+        </p:xfrm>
+        <a:graphic>
+          <a:graphicData uri="http://schemas.openxmlformats.org/drawingml/2006/table">
+            <a:tbl>
+              <a:tblPr>
+                <a:noFill/>
+                <a:tableStyleId>{A72C62D1-E4AF-49FE-B59B-CCC722248412}</a:tableStyleId>
+              </a:tblPr>
+              <a:tblGrid>
+                <a:gridCol w="1809750"/>
+                <a:gridCol w="1809750"/>
+                <a:gridCol w="1809750"/>
+                <a:gridCol w="1809750"/>
+              </a:tblGrid>
+              <a:tr h="381000">
+                <a:tc>
+                  <a:txBody>
+                    <a:bodyPr>
+                      <a:noAutofit/>
+                    </a:bodyPr>
+                    <a:lstStyle/>
+                    <a:p>
+                      <a:pPr indent="0" lvl="0" marL="0" rtl="0" algn="l">
+                        <a:spcBef>
+                          <a:spcPts val="0"/>
+                        </a:spcBef>
+                        <a:spcAft>
+                          <a:spcPts val="0"/>
+                        </a:spcAft>
+                        <a:buNone/>
+                      </a:pPr>
+                      <a:r>
+                        <a:rPr lang="en" sz="1100"/>
+                        <a:t>Summary</a:t>
+                      </a:r>
+                      <a:endParaRPr sz="1100"/>
+                    </a:p>
+                  </a:txBody>
+                  <a:tcPr marT="91425" marB="91425" marR="91425" marL="91425"/>
+                </a:tc>
+                <a:tc>
+                  <a:txBody>
+                    <a:bodyPr>
+                      <a:noAutofit/>
+                    </a:bodyPr>
+                    <a:lstStyle/>
+                    <a:p>
+                      <a:pPr indent="0" lvl="0" marL="0" rtl="0" algn="l">
+                        <a:spcBef>
+                          <a:spcPts val="0"/>
+                        </a:spcBef>
+                        <a:spcAft>
+                          <a:spcPts val="0"/>
+                        </a:spcAft>
+                        <a:buNone/>
+                      </a:pPr>
+                      <a:r>
+                        <a:rPr lang="en" sz="1100"/>
+                        <a:t>Baseline</a:t>
+                      </a:r>
+                      <a:endParaRPr sz="1100"/>
+                    </a:p>
+                  </a:txBody>
+                  <a:tcPr marT="91425" marB="91425" marR="91425" marL="91425"/>
+                </a:tc>
+                <a:tc>
+                  <a:txBody>
+                    <a:bodyPr>
+                      <a:noAutofit/>
+                    </a:bodyPr>
+                    <a:lstStyle/>
+                    <a:p>
+                      <a:pPr indent="0" lvl="0" marL="0" rtl="0" algn="l">
+                        <a:spcBef>
+                          <a:spcPts val="0"/>
+                        </a:spcBef>
+                        <a:spcAft>
+                          <a:spcPts val="0"/>
+                        </a:spcAft>
+                        <a:buNone/>
+                      </a:pPr>
+                      <a:r>
+                        <a:rPr lang="en" sz="1100"/>
+                        <a:t>Improved: Linear Model</a:t>
+                      </a:r>
+                      <a:endParaRPr sz="1100"/>
+                    </a:p>
+                  </a:txBody>
+                  <a:tcPr marT="91425" marB="91425" marR="91425" marL="91425"/>
+                </a:tc>
+                <a:tc>
+                  <a:txBody>
+                    <a:bodyPr>
+                      <a:noAutofit/>
+                    </a:bodyPr>
+                    <a:lstStyle/>
+                    <a:p>
+                      <a:pPr indent="0" lvl="0" marL="0" rtl="0" algn="l">
+                        <a:spcBef>
+                          <a:spcPts val="0"/>
+                        </a:spcBef>
+                        <a:spcAft>
+                          <a:spcPts val="0"/>
+                        </a:spcAft>
+                        <a:buNone/>
+                      </a:pPr>
+                      <a:r>
+                        <a:rPr lang="en" sz="1100"/>
+                        <a:t>Improved: XGBoost</a:t>
+                      </a:r>
+                      <a:endParaRPr sz="1100"/>
+                    </a:p>
+                  </a:txBody>
+                  <a:tcPr marT="91425" marB="91425" marR="91425" marL="91425"/>
+                </a:tc>
+              </a:tr>
+              <a:tr h="381000">
+                <a:tc>
+                  <a:txBody>
+                    <a:bodyPr>
+                      <a:noAutofit/>
+                    </a:bodyPr>
+                    <a:lstStyle/>
+                    <a:p>
+                      <a:pPr indent="0" lvl="0" marL="0" rtl="0" algn="l">
+                        <a:spcBef>
+                          <a:spcPts val="0"/>
+                        </a:spcBef>
+                        <a:spcAft>
+                          <a:spcPts val="0"/>
+                        </a:spcAft>
+                        <a:buNone/>
+                      </a:pPr>
+                      <a:r>
+                        <a:rPr lang="en" sz="1100"/>
+                        <a:t>CV Error</a:t>
+                      </a:r>
+                      <a:endParaRPr sz="1100"/>
+                    </a:p>
+                  </a:txBody>
+                  <a:tcPr marT="91425" marB="91425" marR="91425" marL="91425"/>
+                </a:tc>
+                <a:tc>
+                  <a:txBody>
+                    <a:bodyPr>
+                      <a:noAutofit/>
+                    </a:bodyPr>
+                    <a:lstStyle/>
+                    <a:p>
+                      <a:pPr indent="0" lvl="0" marL="0" rtl="0" algn="l">
+                        <a:spcBef>
+                          <a:spcPts val="0"/>
+                        </a:spcBef>
+                        <a:spcAft>
+                          <a:spcPts val="0"/>
+                        </a:spcAft>
+                        <a:buNone/>
+                      </a:pPr>
+                      <a:r>
+                        <a:rPr lang="en" sz="1100"/>
+                        <a:t>5%</a:t>
+                      </a:r>
+                      <a:endParaRPr sz="1100"/>
+                    </a:p>
+                  </a:txBody>
+                  <a:tcPr marT="91425" marB="91425" marR="91425" marL="91425"/>
+                </a:tc>
+                <a:tc>
+                  <a:txBody>
+                    <a:bodyPr>
+                      <a:noAutofit/>
+                    </a:bodyPr>
+                    <a:lstStyle/>
+                    <a:p>
+                      <a:pPr indent="0" lvl="0" marL="0" rtl="0" algn="l">
+                        <a:spcBef>
+                          <a:spcPts val="0"/>
+                        </a:spcBef>
+                        <a:spcAft>
+                          <a:spcPts val="0"/>
+                        </a:spcAft>
+                        <a:buNone/>
+                      </a:pPr>
+                      <a:r>
+                        <a:rPr lang="en" sz="1100"/>
+                        <a:t>3.9%</a:t>
+                      </a:r>
+                      <a:endParaRPr sz="1100"/>
+                    </a:p>
+                  </a:txBody>
+                  <a:tcPr marT="91425" marB="91425" marR="91425" marL="91425"/>
+                </a:tc>
+                <a:tc>
+                  <a:txBody>
+                    <a:bodyPr>
+                      <a:noAutofit/>
+                    </a:bodyPr>
+                    <a:lstStyle/>
+                    <a:p>
+                      <a:pPr indent="0" lvl="0" marL="0" rtl="0" algn="l">
+                        <a:spcBef>
+                          <a:spcPts val="0"/>
+                        </a:spcBef>
+                        <a:spcAft>
+                          <a:spcPts val="0"/>
+                        </a:spcAft>
+                        <a:buNone/>
+                      </a:pPr>
+                      <a:r>
+                        <a:rPr lang="en" sz="1100"/>
+                        <a:t>3.8%</a:t>
+                      </a:r>
+                      <a:endParaRPr sz="1100"/>
+                    </a:p>
+                  </a:txBody>
+                  <a:tcPr marT="91425" marB="91425" marR="91425" marL="91425"/>
+                </a:tc>
+              </a:tr>
+              <a:tr h="381000">
+                <a:tc>
+                  <a:txBody>
+                    <a:bodyPr>
+                      <a:noAutofit/>
+                    </a:bodyPr>
+                    <a:lstStyle/>
+                    <a:p>
+                      <a:pPr indent="0" lvl="0" marL="0" rtl="0" algn="l">
+                        <a:spcBef>
+                          <a:spcPts val="0"/>
+                        </a:spcBef>
+                        <a:spcAft>
+                          <a:spcPts val="0"/>
+                        </a:spcAft>
+                        <a:buNone/>
+                      </a:pPr>
+                      <a:r>
+                        <a:rPr lang="en" sz="1100"/>
+                        <a:t>Time: train (Step 4)</a:t>
+                      </a:r>
+                      <a:endParaRPr sz="1100"/>
+                    </a:p>
+                  </a:txBody>
+                  <a:tcPr marT="91425" marB="91425" marR="91425" marL="91425"/>
+                </a:tc>
+                <a:tc>
+                  <a:txBody>
+                    <a:bodyPr>
+                      <a:noAutofit/>
+                    </a:bodyPr>
+                    <a:lstStyle/>
+                    <a:p>
+                      <a:pPr indent="0" lvl="0" marL="0" rtl="0" algn="l">
+                        <a:spcBef>
+                          <a:spcPts val="0"/>
+                        </a:spcBef>
+                        <a:spcAft>
+                          <a:spcPts val="0"/>
+                        </a:spcAft>
+                        <a:buNone/>
+                      </a:pPr>
+                      <a:r>
+                        <a:rPr lang="en" sz="1100"/>
+                        <a:t>10-15</a:t>
+                      </a:r>
+                      <a:r>
+                        <a:rPr lang="en" sz="1100"/>
+                        <a:t> minutes</a:t>
+                      </a:r>
+                      <a:endParaRPr sz="1100"/>
+                    </a:p>
+                  </a:txBody>
+                  <a:tcPr marT="91425" marB="91425" marR="91425" marL="91425"/>
+                </a:tc>
+                <a:tc>
+                  <a:txBody>
+                    <a:bodyPr>
+                      <a:noAutofit/>
+                    </a:bodyPr>
+                    <a:lstStyle/>
+                    <a:p>
+                      <a:pPr indent="0" lvl="0" marL="0" rtl="0" algn="l">
+                        <a:spcBef>
+                          <a:spcPts val="0"/>
+                        </a:spcBef>
+                        <a:spcAft>
+                          <a:spcPts val="0"/>
+                        </a:spcAft>
+                        <a:buNone/>
+                      </a:pPr>
+                      <a:r>
+                        <a:rPr lang="en" sz="1100"/>
+                        <a:t>15-25 seconds</a:t>
+                      </a:r>
+                      <a:endParaRPr sz="1100"/>
+                    </a:p>
+                  </a:txBody>
+                  <a:tcPr marT="91425" marB="91425" marR="91425" marL="91425"/>
+                </a:tc>
+                <a:tc>
+                  <a:txBody>
+                    <a:bodyPr>
+                      <a:noAutofit/>
+                    </a:bodyPr>
+                    <a:lstStyle/>
+                    <a:p>
+                      <a:pPr indent="0" lvl="0" marL="0" rtl="0" algn="l">
+                        <a:spcBef>
+                          <a:spcPts val="0"/>
+                        </a:spcBef>
+                        <a:spcAft>
+                          <a:spcPts val="0"/>
+                        </a:spcAft>
+                        <a:buNone/>
+                      </a:pPr>
+                      <a:r>
+                        <a:rPr lang="en" sz="1100"/>
+                        <a:t>8-10 minutes</a:t>
+                      </a:r>
+                      <a:endParaRPr sz="1100"/>
+                    </a:p>
+                  </a:txBody>
+                  <a:tcPr marT="91425" marB="91425" marR="91425" marL="91425"/>
+                </a:tc>
+              </a:tr>
+              <a:tr h="381000">
+                <a:tc>
+                  <a:txBody>
+                    <a:bodyPr>
+                      <a:noAutofit/>
+                    </a:bodyPr>
+                    <a:lstStyle/>
+                    <a:p>
+                      <a:pPr indent="0" lvl="0" marL="0" rtl="0" algn="l">
+                        <a:spcBef>
+                          <a:spcPts val="0"/>
+                        </a:spcBef>
+                        <a:spcAft>
+                          <a:spcPts val="0"/>
+                        </a:spcAft>
+                        <a:buNone/>
+                      </a:pPr>
+                      <a:r>
+                        <a:rPr lang="en" sz="1100"/>
+                        <a:t>Super Resolution</a:t>
+                      </a:r>
+                      <a:endParaRPr sz="1100"/>
+                    </a:p>
+                  </a:txBody>
+                  <a:tcPr marT="91425" marB="91425" marR="91425" marL="91425"/>
+                </a:tc>
+                <a:tc>
+                  <a:txBody>
+                    <a:bodyPr>
+                      <a:noAutofit/>
+                    </a:bodyPr>
+                    <a:lstStyle/>
+                    <a:p>
+                      <a:pPr indent="0" lvl="0" marL="0" rtl="0" algn="l">
+                        <a:spcBef>
+                          <a:spcPts val="0"/>
+                        </a:spcBef>
+                        <a:spcAft>
+                          <a:spcPts val="0"/>
+                        </a:spcAft>
+                        <a:buNone/>
+                      </a:pPr>
+                      <a:r>
+                        <a:rPr lang="en" sz="1100"/>
+                        <a:t>4.5 second / image</a:t>
+                      </a:r>
+                      <a:endParaRPr sz="1100"/>
+                    </a:p>
+                  </a:txBody>
+                  <a:tcPr marT="91425" marB="91425" marR="91425" marL="91425"/>
+                </a:tc>
+                <a:tc>
+                  <a:txBody>
+                    <a:bodyPr>
+                      <a:noAutofit/>
+                    </a:bodyPr>
+                    <a:lstStyle/>
+                    <a:p>
+                      <a:pPr indent="0" lvl="0" marL="0" rtl="0" algn="l">
+                        <a:spcBef>
+                          <a:spcPts val="0"/>
+                        </a:spcBef>
+                        <a:spcAft>
+                          <a:spcPts val="0"/>
+                        </a:spcAft>
+                        <a:buNone/>
+                      </a:pPr>
+                      <a:r>
+                        <a:rPr lang="en" sz="1100"/>
+                        <a:t>1.5 second / image</a:t>
+                      </a:r>
+                      <a:endParaRPr sz="1100"/>
+                    </a:p>
+                  </a:txBody>
+                  <a:tcPr marT="91425" marB="91425" marR="91425" marL="91425"/>
+                </a:tc>
+                <a:tc>
+                  <a:txBody>
+                    <a:bodyPr>
+                      <a:noAutofit/>
+                    </a:bodyPr>
+                    <a:lstStyle/>
+                    <a:p>
+                      <a:pPr indent="0" lvl="0" marL="0" rtl="0" algn="l">
+                        <a:spcBef>
+                          <a:spcPts val="0"/>
+                        </a:spcBef>
+                        <a:spcAft>
+                          <a:spcPts val="0"/>
+                        </a:spcAft>
+                        <a:buNone/>
+                      </a:pPr>
+                      <a:r>
+                        <a:rPr lang="en" sz="1100"/>
+                        <a:t>1.1 second / image</a:t>
+                      </a:r>
+                      <a:endParaRPr sz="1100"/>
+                    </a:p>
+                  </a:txBody>
+                  <a:tcPr marT="91425" marB="91425" marR="91425" marL="91425"/>
+                </a:tc>
+              </a:tr>
+            </a:tbl>
+          </a:graphicData>
+        </a:graphic>
+      </p:graphicFrame>
+    </p:spTree>
+  </p:cSld>
+  <p:clrMapOvr>
+    <a:masterClrMapping/>
+  </p:clrMapOvr>
+</p:sld>
+</file>
+
+<file path=ppt/slides/slide14.xml><?xml version="1.0" encoding="utf-8"?>
+<p:sld xmlns:a="http://schemas.openxmlformats.org/drawingml/2006/main" xmlns:r="http://schemas.openxmlformats.org/officeDocument/2006/relationships" xmlns:mc="http://schemas.openxmlformats.org/markup-compatibility/2006" xmlns:mv="urn:schemas-microsoft-com:mac:vml" xmlns:p="http://schemas.openxmlformats.org/presentationml/2006/main" xmlns:c="http://schemas.openxmlformats.org/drawingml/2006/chart" xmlns:dgm="http://schemas.openxmlformats.org/drawingml/2006/diagram" xmlns:o="urn:schemas-microsoft-com:office:office" xmlns:v="urn:schemas-microsoft-com:vml" xmlns:pvml="urn:schemas-microsoft-com:office:powerpoint" xmlns:com="http://schemas.openxmlformats.org/drawingml/2006/compatibility" xmlns:p14="http://schemas.microsoft.com/office/powerpoint/2010/main" xmlns:p15="http://schemas.microsoft.com/office/powerpoint/2012/main">
+  <p:cSld>
+    <p:spTree>
+      <p:nvGrpSpPr>
+        <p:cNvPr id="2036" name="Shape 2036"/>
+        <p:cNvGrpSpPr/>
+        <p:nvPr/>
+      </p:nvGrpSpPr>
+      <p:grpSpPr>
+        <a:xfrm>
+          <a:off x="0" y="0"/>
+          <a:ext cx="0" cy="0"/>
+          <a:chOff x="0" y="0"/>
+          <a:chExt cx="0" cy="0"/>
+        </a:xfrm>
+      </p:grpSpPr>
+      <p:sp>
+        <p:nvSpPr>
+          <p:cNvPr id="2037" name="Google Shape;2037;p26"/>
           <p:cNvSpPr txBox="1"/>
           <p:nvPr>
             <p:ph type="title"/>
@@ -16192,7 +18275,7 @@
       </p:sp>
       <p:sp>
         <p:nvSpPr>
-          <p:cNvPr id="2001" name="Google Shape;2001;p22"/>
+          <p:cNvPr id="2038" name="Google Shape;2038;p26"/>
           <p:cNvSpPr txBox="1"/>
           <p:nvPr>
             <p:ph idx="1" type="body"/>
@@ -16200,8 +18283,73 @@
         </p:nvSpPr>
         <p:spPr>
           <a:xfrm>
-            <a:off x="1303800" y="1990050"/>
-            <a:ext cx="7030500" cy="2541600"/>
+            <a:off x="1303800" y="1685250"/>
+            <a:ext cx="7030500" cy="2838900"/>
+          </a:xfrm>
+          <a:prstGeom prst="rect">
+            <a:avLst/>
+          </a:prstGeom>
+        </p:spPr>
+        <p:txBody>
+          <a:bodyPr anchorCtr="0" anchor="t" bIns="91425" lIns="91425" spcFirstLastPara="1" rIns="91425" wrap="square" tIns="91425">
+            <a:noAutofit/>
+          </a:bodyPr>
+          <a:lstStyle/>
+          <a:p>
+            <a:pPr indent="0" lvl="0" marL="0" rtl="0" algn="l">
+              <a:spcBef>
+                <a:spcPts val="0"/>
+              </a:spcBef>
+              <a:spcAft>
+                <a:spcPts val="1600"/>
+              </a:spcAft>
+              <a:buNone/>
+            </a:pPr>
+            <a:r>
+              <a:rPr lang="en"/>
+              <a:t>We conclude that from training and cross validation results on the above analysis we choose XGBoost as our improved model. We take full consideration of the tradeoff between computational cost and model performance. We observe that the candidates for improved can reduce error from baseline models. Moreover, XGBoost algorithm can finish superResolution with much less time required from baseline model. Hence, we select XGBoost as our candidate for improved model. </a:t>
+            </a:r>
+            <a:endParaRPr/>
+          </a:p>
+        </p:txBody>
+      </p:sp>
+    </p:spTree>
+  </p:cSld>
+  <p:clrMapOvr>
+    <a:masterClrMapping/>
+  </p:clrMapOvr>
+</p:sld>
+</file>
+
+<file path=ppt/slides/slide15.xml><?xml version="1.0" encoding="utf-8"?>
+<p:sld xmlns:a="http://schemas.openxmlformats.org/drawingml/2006/main" xmlns:r="http://schemas.openxmlformats.org/officeDocument/2006/relationships" xmlns:mc="http://schemas.openxmlformats.org/markup-compatibility/2006" xmlns:mv="urn:schemas-microsoft-com:mac:vml" xmlns:p="http://schemas.openxmlformats.org/presentationml/2006/main" xmlns:c="http://schemas.openxmlformats.org/drawingml/2006/chart" xmlns:dgm="http://schemas.openxmlformats.org/drawingml/2006/diagram" xmlns:o="urn:schemas-microsoft-com:office:office" xmlns:v="urn:schemas-microsoft-com:vml" xmlns:pvml="urn:schemas-microsoft-com:office:powerpoint" xmlns:com="http://schemas.openxmlformats.org/drawingml/2006/compatibility" xmlns:p14="http://schemas.microsoft.com/office/powerpoint/2010/main" xmlns:p15="http://schemas.microsoft.com/office/powerpoint/2012/main">
+  <p:cSld>
+    <p:spTree>
+      <p:nvGrpSpPr>
+        <p:cNvPr id="2042" name="Shape 2042"/>
+        <p:cNvGrpSpPr/>
+        <p:nvPr/>
+      </p:nvGrpSpPr>
+      <p:grpSpPr>
+        <a:xfrm>
+          <a:off x="0" y="0"/>
+          <a:ext cx="0" cy="0"/>
+          <a:chOff x="0" y="0"/>
+          <a:chExt cx="0" cy="0"/>
+        </a:xfrm>
+      </p:grpSpPr>
+      <p:sp>
+        <p:nvSpPr>
+          <p:cNvPr id="2043" name="Google Shape;2043;p27"/>
+          <p:cNvSpPr txBox="1"/>
+          <p:nvPr>
+            <p:ph type="title"/>
+          </p:nvPr>
+        </p:nvSpPr>
+        <p:spPr>
+          <a:xfrm>
+            <a:off x="1303800" y="598575"/>
+            <a:ext cx="7030500" cy="999300"/>
           </a:xfrm>
           <a:prstGeom prst="rect">
             <a:avLst/>
@@ -16224,23 +18372,99 @@
             </a:pPr>
             <a:r>
               <a:rPr lang="en"/>
-              <a:t>We conclude that from training and cross validation results on given image data. Gradient Boosting Machine will be able to produce mean square error of 9% on average. This is at least 30% in root MSE. Given a pixel with value 0.7 and such pixel may range from 0.01 to 1, the prediction can range from 0.4 to 1. This is a fairly large error and the produced high resolution image will not be given the same perception to us. </a:t>
+              <a:t>WHAT NEXT? </a:t>
+            </a:r>
+            <a:endParaRPr/>
+          </a:p>
+        </p:txBody>
+      </p:sp>
+      <p:sp>
+        <p:nvSpPr>
+          <p:cNvPr id="2044" name="Google Shape;2044;p27"/>
+          <p:cNvSpPr txBox="1"/>
+          <p:nvPr>
+            <p:ph idx="1" type="body"/>
+          </p:nvPr>
+        </p:nvSpPr>
+        <p:spPr>
+          <a:xfrm>
+            <a:off x="922800" y="1609050"/>
+            <a:ext cx="7030500" cy="2541600"/>
+          </a:xfrm>
+          <a:prstGeom prst="rect">
+            <a:avLst/>
+          </a:prstGeom>
+        </p:spPr>
+        <p:txBody>
+          <a:bodyPr anchorCtr="0" anchor="t" bIns="91425" lIns="91425" spcFirstLastPara="1" rIns="91425" wrap="square" tIns="91425">
+            <a:noAutofit/>
+          </a:bodyPr>
+          <a:lstStyle/>
+          <a:p>
+            <a:pPr indent="-311150" lvl="0" marL="457200" rtl="0" algn="l">
+              <a:spcBef>
+                <a:spcPts val="0"/>
+              </a:spcBef>
+              <a:spcAft>
+                <a:spcPts val="0"/>
+              </a:spcAft>
+              <a:buSzPts val="1300"/>
+              <a:buChar char="-"/>
+            </a:pPr>
+            <a:r>
+              <a:rPr lang="en"/>
+              <a:t>Potential Direction 1: Include more data</a:t>
             </a:r>
             <a:endParaRPr/>
           </a:p>
           <a:p>
-            <a:pPr indent="0" lvl="0" marL="0" rtl="0" algn="l">
+            <a:pPr indent="-311150" lvl="0" marL="457200" rtl="0" algn="l">
               <a:spcBef>
-                <a:spcPts val="1600"/>
+                <a:spcPts val="0"/>
               </a:spcBef>
               <a:spcAft>
-                <a:spcPts val="1600"/>
+                <a:spcPts val="0"/>
               </a:spcAft>
-              <a:buNone/>
+              <a:buSzPts val="1300"/>
+              <a:buChar char="-"/>
             </a:pPr>
             <a:r>
               <a:rPr lang="en"/>
-              <a:t>For future reference, we conjecture that more sophisticated AI algorithms can be used. For example, one can attempt to train Convolutional Neural Network. Moreover, one can also attempt to extract the 24 pixels in the neighborhood instead of 8 pixels. </a:t>
+              <a:t>Potential Direction 2: We can use Convoluted Neural Network to classify which image fall in which category (e.g. for example, is this picture a flower or not?) After we classify all images, we can introduce baseline model and improved model on these category only instead of the entire data set.</a:t>
+            </a:r>
+            <a:endParaRPr/>
+          </a:p>
+          <a:p>
+            <a:pPr indent="-311150" lvl="0" marL="457200" rtl="0" algn="l">
+              <a:spcBef>
+                <a:spcPts val="0"/>
+              </a:spcBef>
+              <a:spcAft>
+                <a:spcPts val="0"/>
+              </a:spcAft>
+              <a:buSzPts val="1300"/>
+              <a:buChar char="-"/>
+            </a:pPr>
+            <a:r>
+              <a:rPr lang="en"/>
+              <a:t>Potential Direction 3: We can introduce more complicated regression problem framework such as (1) polynomial regression, (2) iterative Random Forest, (3) Bayesian Additive Regression Tree, and so on.</a:t>
+            </a:r>
+            <a:endParaRPr/>
+          </a:p>
+          <a:p>
+            <a:pPr indent="-311150" lvl="0" marL="457200" rtl="0" algn="l">
+              <a:spcBef>
+                <a:spcPts val="0"/>
+              </a:spcBef>
+              <a:spcAft>
+                <a:spcPts val="0"/>
+              </a:spcAft>
+              <a:buSzPts val="1300"/>
+              <a:buChar char="-"/>
+            </a:pPr>
+            <a:r>
+              <a:rPr lang="en"/>
+              <a:t>Potential Direction 4:  Extraction of more features (eg: extract 24 neighboring pixels instead of 8) </a:t>
             </a:r>
             <a:endParaRPr/>
           </a:p>
@@ -16254,12 +18478,12 @@
 </p:sld>
 </file>
 
-<file path=ppt/slides/slide11.xml><?xml version="1.0" encoding="utf-8"?>
+<file path=ppt/slides/slide16.xml><?xml version="1.0" encoding="utf-8"?>
 <p:sld xmlns:a="http://schemas.openxmlformats.org/drawingml/2006/main" xmlns:r="http://schemas.openxmlformats.org/officeDocument/2006/relationships" xmlns:mc="http://schemas.openxmlformats.org/markup-compatibility/2006" xmlns:mv="urn:schemas-microsoft-com:mac:vml" xmlns:p="http://schemas.openxmlformats.org/presentationml/2006/main" xmlns:c="http://schemas.openxmlformats.org/drawingml/2006/chart" xmlns:dgm="http://schemas.openxmlformats.org/drawingml/2006/diagram" xmlns:o="urn:schemas-microsoft-com:office:office" xmlns:v="urn:schemas-microsoft-com:vml" xmlns:pvml="urn:schemas-microsoft-com:office:powerpoint" xmlns:com="http://schemas.openxmlformats.org/drawingml/2006/compatibility" xmlns:p14="http://schemas.microsoft.com/office/powerpoint/2010/main" xmlns:p15="http://schemas.microsoft.com/office/powerpoint/2012/main">
   <p:cSld>
     <p:spTree>
       <p:nvGrpSpPr>
-        <p:cNvPr id="2005" name="Shape 2005"/>
+        <p:cNvPr id="2048" name="Shape 2048"/>
         <p:cNvGrpSpPr/>
         <p:nvPr/>
       </p:nvGrpSpPr>
@@ -16273,7 +18497,7 @@
       </p:grpSpPr>
       <p:sp>
         <p:nvSpPr>
-          <p:cNvPr id="2006" name="Google Shape;2006;p23"/>
+          <p:cNvPr id="2049" name="Google Shape;2049;p28"/>
           <p:cNvSpPr txBox="1"/>
           <p:nvPr>
             <p:ph type="title"/>
@@ -16313,7 +18537,7 @@
       </p:sp>
       <p:sp>
         <p:nvSpPr>
-          <p:cNvPr id="2007" name="Google Shape;2007;p23"/>
+          <p:cNvPr id="2050" name="Google Shape;2050;p28"/>
           <p:cNvSpPr txBox="1"/>
           <p:nvPr>
             <p:ph idx="1" type="body"/>
@@ -16469,23 +18693,6 @@
             <a:r>
               <a:rPr lang="en"/>
               <a:t>Feature Extraction</a:t>
-            </a:r>
-            <a:endParaRPr/>
-          </a:p>
-          <a:p>
-            <a:pPr indent="-311150" lvl="0" marL="457200" rtl="0" algn="l">
-              <a:spcBef>
-                <a:spcPts val="0"/>
-              </a:spcBef>
-              <a:spcAft>
-                <a:spcPts val="0"/>
-              </a:spcAft>
-              <a:buSzPts val="1300"/>
-              <a:buChar char="-"/>
-            </a:pPr>
-            <a:r>
-              <a:rPr lang="en"/>
-              <a:t>Machine Learning</a:t>
             </a:r>
             <a:endParaRPr/>
           </a:p>
@@ -16618,7 +18825,7 @@
             </a:pPr>
             <a:r>
               <a:rPr lang="en"/>
-              <a:t>INTRODUCTION</a:t>
+              <a:t>INTRODUCTION TO PROBLEM</a:t>
             </a:r>
             <a:endParaRPr/>
           </a:p>
@@ -16652,15 +18859,49 @@
                 <a:spcPts val="0"/>
               </a:spcBef>
               <a:spcAft>
-                <a:spcPts val="1600"/>
+                <a:spcPts val="0"/>
               </a:spcAft>
               <a:buNone/>
             </a:pPr>
             <a:r>
-              <a:rPr lang="en"/>
-              <a:t>We introduce the progress of this analysis conducted by us. </a:t>
+              <a:rPr lang="en" sz="1500"/>
+              <a:t>Let us address the following:</a:t>
             </a:r>
-            <a:endParaRPr/>
+            <a:endParaRPr sz="1500"/>
+          </a:p>
+          <a:p>
+            <a:pPr indent="-323850" lvl="0" marL="457200" rtl="0" algn="l">
+              <a:spcBef>
+                <a:spcPts val="1600"/>
+              </a:spcBef>
+              <a:spcAft>
+                <a:spcPts val="0"/>
+              </a:spcAft>
+              <a:buSzPts val="1500"/>
+              <a:buChar char="-"/>
+            </a:pPr>
+            <a:r>
+              <a:rPr lang="en" sz="1500"/>
+              <a:t>Task: for each pixel in low resolution image, we want to predict values of 4 pixels in high resolution image.</a:t>
+            </a:r>
+            <a:endParaRPr sz="1500"/>
+          </a:p>
+          <a:p>
+            <a:pPr indent="-323850" lvl="0" marL="457200" rtl="0" algn="l">
+              <a:spcBef>
+                <a:spcPts val="0"/>
+              </a:spcBef>
+              <a:spcAft>
+                <a:spcPts val="0"/>
+              </a:spcAft>
+              <a:buSzPts val="1500"/>
+              <a:buChar char="-"/>
+            </a:pPr>
+            <a:r>
+              <a:rPr lang="en" sz="1500"/>
+              <a:t>Feature: for each pixel in low resolution image, we extract the 8 pixels surrounding it as features.</a:t>
+            </a:r>
+            <a:endParaRPr sz="1500"/>
           </a:p>
         </p:txBody>
       </p:sp>
@@ -60782,8 +63023,8 @@
         </p:nvSpPr>
         <p:spPr>
           <a:xfrm>
-            <a:off x="1303800" y="598575"/>
-            <a:ext cx="7030500" cy="999300"/>
+            <a:off x="1303800" y="103475"/>
+            <a:ext cx="7030500" cy="523800"/>
           </a:xfrm>
           <a:prstGeom prst="rect">
             <a:avLst/>
@@ -60806,7 +63047,11 @@
             </a:pPr>
             <a:r>
               <a:rPr lang="en"/>
-              <a:t>MACHINE LEARNING</a:t>
+              <a:t>BASELINE MODEL TUNING</a:t>
+            </a:r>
+            <a:r>
+              <a:rPr lang="en"/>
+              <a:t> </a:t>
             </a:r>
             <a:endParaRPr/>
           </a:p>
@@ -60822,8 +63067,8 @@
         </p:nvSpPr>
         <p:spPr>
           <a:xfrm>
-            <a:off x="1303800" y="1990050"/>
-            <a:ext cx="7030500" cy="2541600"/>
+            <a:off x="1227600" y="737525"/>
+            <a:ext cx="7030500" cy="416700"/>
           </a:xfrm>
           <a:prstGeom prst="rect">
             <a:avLst/>
@@ -60840,350 +63085,47 @@
                 <a:spcPts val="0"/>
               </a:spcBef>
               <a:spcAft>
-                <a:spcPts val="0"/>
+                <a:spcPts val="1600"/>
               </a:spcAft>
               <a:buNone/>
             </a:pPr>
             <a:r>
-              <a:rPr lang="en"/>
-              <a:t>In machine learning, we train GBM to learn the response given the explanatory variables. Each channel, each response pixel, there is one GBM. That is, we have</a:t>
-            </a:r>
-            <a:endParaRPr/>
-          </a:p>
-          <a:p>
-            <a:pPr indent="-311150" lvl="0" marL="457200" rtl="0" algn="l">
-              <a:spcBef>
-                <a:spcPts val="1600"/>
-              </a:spcBef>
-              <a:spcAft>
-                <a:spcPts val="0"/>
-              </a:spcAft>
-              <a:buSzPts val="1300"/>
-              <a:buChar char="-"/>
-            </a:pPr>
-            <a:r>
-              <a:rPr lang="en"/>
-              <a:t>Y</a:t>
+              <a:rPr lang="en" sz="1500">
+                <a:solidFill>
+                  <a:srgbClr val="222222"/>
+                </a:solidFill>
+                <a:highlight>
+                  <a:srgbClr val="FFFFFF"/>
+                </a:highlight>
+                <a:latin typeface="Arial"/>
+                <a:ea typeface="Arial"/>
+                <a:cs typeface="Arial"/>
+                <a:sym typeface="Arial"/>
+              </a:rPr>
+              <a:t>Tune: we change the d</a:t>
             </a:r>
             <a:r>
-              <a:rPr lang="en" sz="700"/>
-              <a:t>1R</a:t>
+              <a:rPr lang="en" sz="1500">
+                <a:solidFill>
+                  <a:srgbClr val="222222"/>
+                </a:solidFill>
+                <a:highlight>
+                  <a:srgbClr val="FFFFFF"/>
+                </a:highlight>
+                <a:latin typeface="Arial"/>
+                <a:ea typeface="Arial"/>
+                <a:cs typeface="Arial"/>
+                <a:sym typeface="Arial"/>
+              </a:rPr>
+              <a:t>epth of tree from 3 to 11 with everything else fixed.</a:t>
             </a:r>
-            <a:r>
-              <a:rPr lang="en"/>
-              <a:t> = f</a:t>
-            </a:r>
-            <a:r>
-              <a:rPr lang="en" sz="700"/>
-              <a:t>1R</a:t>
-            </a:r>
-            <a:r>
-              <a:rPr lang="en"/>
-              <a:t>(X); </a:t>
-            </a:r>
-            <a:r>
-              <a:rPr lang="en"/>
-              <a:t>Y</a:t>
-            </a:r>
-            <a:r>
-              <a:rPr lang="en" sz="700"/>
-              <a:t>1G</a:t>
-            </a:r>
-            <a:r>
-              <a:rPr lang="en"/>
-              <a:t> = f</a:t>
-            </a:r>
-            <a:r>
-              <a:rPr lang="en" sz="700"/>
-              <a:t>1G</a:t>
-            </a:r>
-            <a:r>
-              <a:rPr lang="en"/>
-              <a:t>(X); Y</a:t>
-            </a:r>
-            <a:r>
-              <a:rPr lang="en" sz="700"/>
-              <a:t>1B</a:t>
-            </a:r>
-            <a:r>
-              <a:rPr lang="en"/>
-              <a:t> = f</a:t>
-            </a:r>
-            <a:r>
-              <a:rPr lang="en" sz="700"/>
-              <a:t>1B</a:t>
-            </a:r>
-            <a:r>
-              <a:rPr lang="en"/>
-              <a:t>(X)</a:t>
-            </a:r>
-            <a:endParaRPr/>
-          </a:p>
-          <a:p>
-            <a:pPr indent="-311150" lvl="0" marL="457200" rtl="0" algn="l">
-              <a:spcBef>
-                <a:spcPts val="0"/>
-              </a:spcBef>
-              <a:spcAft>
-                <a:spcPts val="0"/>
-              </a:spcAft>
-              <a:buSzPts val="1300"/>
-              <a:buChar char="-"/>
-            </a:pPr>
-            <a:r>
-              <a:rPr lang="en"/>
-              <a:t>Y</a:t>
-            </a:r>
-            <a:r>
-              <a:rPr lang="en" sz="700"/>
-              <a:t>2R</a:t>
-            </a:r>
-            <a:r>
-              <a:rPr lang="en"/>
-              <a:t> = f</a:t>
-            </a:r>
-            <a:r>
-              <a:rPr lang="en" sz="700"/>
-              <a:t>2R</a:t>
-            </a:r>
-            <a:r>
-              <a:rPr lang="en"/>
-              <a:t>(X); Y</a:t>
-            </a:r>
-            <a:r>
-              <a:rPr lang="en" sz="700"/>
-              <a:t>2G</a:t>
-            </a:r>
-            <a:r>
-              <a:rPr lang="en"/>
-              <a:t> = f</a:t>
-            </a:r>
-            <a:r>
-              <a:rPr lang="en" sz="700"/>
-              <a:t>2G</a:t>
-            </a:r>
-            <a:r>
-              <a:rPr lang="en"/>
-              <a:t>(X); Y</a:t>
-            </a:r>
-            <a:r>
-              <a:rPr lang="en" sz="700"/>
-              <a:t>2B</a:t>
-            </a:r>
-            <a:r>
-              <a:rPr lang="en"/>
-              <a:t> = f</a:t>
-            </a:r>
-            <a:r>
-              <a:rPr lang="en" sz="700"/>
-              <a:t>2B</a:t>
-            </a:r>
-            <a:r>
-              <a:rPr lang="en"/>
-              <a:t>(X)</a:t>
-            </a:r>
-            <a:endParaRPr/>
-          </a:p>
-          <a:p>
-            <a:pPr indent="-311150" lvl="0" marL="457200" rtl="0" algn="l">
-              <a:spcBef>
-                <a:spcPts val="0"/>
-              </a:spcBef>
-              <a:spcAft>
-                <a:spcPts val="0"/>
-              </a:spcAft>
-              <a:buSzPts val="1300"/>
-              <a:buChar char="-"/>
-            </a:pPr>
-            <a:r>
-              <a:rPr lang="en"/>
-              <a:t>Y</a:t>
-            </a:r>
-            <a:r>
-              <a:rPr lang="en" sz="700"/>
-              <a:t>3R</a:t>
-            </a:r>
-            <a:r>
-              <a:rPr lang="en"/>
-              <a:t> = f</a:t>
-            </a:r>
-            <a:r>
-              <a:rPr lang="en" sz="700"/>
-              <a:t>3R</a:t>
-            </a:r>
-            <a:r>
-              <a:rPr lang="en"/>
-              <a:t>(X); Y</a:t>
-            </a:r>
-            <a:r>
-              <a:rPr lang="en" sz="700"/>
-              <a:t>3G</a:t>
-            </a:r>
-            <a:r>
-              <a:rPr lang="en"/>
-              <a:t> = f</a:t>
-            </a:r>
-            <a:r>
-              <a:rPr lang="en" sz="700"/>
-              <a:t>3G</a:t>
-            </a:r>
-            <a:r>
-              <a:rPr lang="en"/>
-              <a:t>(X); Y</a:t>
-            </a:r>
-            <a:r>
-              <a:rPr lang="en" sz="700"/>
-              <a:t>3B</a:t>
-            </a:r>
-            <a:r>
-              <a:rPr lang="en"/>
-              <a:t> = f</a:t>
-            </a:r>
-            <a:r>
-              <a:rPr lang="en" sz="700"/>
-              <a:t>3B</a:t>
-            </a:r>
-            <a:r>
-              <a:rPr lang="en"/>
-              <a:t>(X)</a:t>
-            </a:r>
-            <a:endParaRPr/>
-          </a:p>
-          <a:p>
-            <a:pPr indent="-311150" lvl="0" marL="457200" rtl="0" algn="l">
-              <a:spcBef>
-                <a:spcPts val="0"/>
-              </a:spcBef>
-              <a:spcAft>
-                <a:spcPts val="0"/>
-              </a:spcAft>
-              <a:buSzPts val="1300"/>
-              <a:buChar char="-"/>
-            </a:pPr>
-            <a:r>
-              <a:rPr lang="en"/>
-              <a:t>Y</a:t>
-            </a:r>
-            <a:r>
-              <a:rPr lang="en" sz="700"/>
-              <a:t>4R</a:t>
-            </a:r>
-            <a:r>
-              <a:rPr lang="en"/>
-              <a:t> = f</a:t>
-            </a:r>
-            <a:r>
-              <a:rPr lang="en" sz="700"/>
-              <a:t>4R</a:t>
-            </a:r>
-            <a:r>
-              <a:rPr lang="en"/>
-              <a:t>(X); Y</a:t>
-            </a:r>
-            <a:r>
-              <a:rPr lang="en" sz="700"/>
-              <a:t>4G</a:t>
-            </a:r>
-            <a:r>
-              <a:rPr lang="en"/>
-              <a:t> = f</a:t>
-            </a:r>
-            <a:r>
-              <a:rPr lang="en" sz="700"/>
-              <a:t>4G</a:t>
-            </a:r>
-            <a:r>
-              <a:rPr lang="en"/>
-              <a:t>(X); Y</a:t>
-            </a:r>
-            <a:r>
-              <a:rPr lang="en" sz="700"/>
-              <a:t>4B</a:t>
-            </a:r>
-            <a:r>
-              <a:rPr lang="en"/>
-              <a:t> = f</a:t>
-            </a:r>
-            <a:r>
-              <a:rPr lang="en" sz="700"/>
-              <a:t>4B</a:t>
-            </a:r>
-            <a:r>
-              <a:rPr lang="en"/>
-              <a:t>(X)</a:t>
-            </a:r>
-            <a:endParaRPr/>
-          </a:p>
-        </p:txBody>
-      </p:sp>
-    </p:spTree>
-  </p:cSld>
-  <p:clrMapOvr>
-    <a:masterClrMapping/>
-  </p:clrMapOvr>
-</p:sld>
-</file>
-
-<file path=ppt/slides/slide7.xml><?xml version="1.0" encoding="utf-8"?>
-<p:sld xmlns:a="http://schemas.openxmlformats.org/drawingml/2006/main" xmlns:r="http://schemas.openxmlformats.org/officeDocument/2006/relationships" xmlns:mc="http://schemas.openxmlformats.org/markup-compatibility/2006" xmlns:mv="urn:schemas-microsoft-com:mac:vml" xmlns:p="http://schemas.openxmlformats.org/presentationml/2006/main" xmlns:c="http://schemas.openxmlformats.org/drawingml/2006/chart" xmlns:dgm="http://schemas.openxmlformats.org/drawingml/2006/diagram" xmlns:o="urn:schemas-microsoft-com:office:office" xmlns:v="urn:schemas-microsoft-com:vml" xmlns:pvml="urn:schemas-microsoft-com:office:powerpoint" xmlns:com="http://schemas.openxmlformats.org/drawingml/2006/compatibility" xmlns:p14="http://schemas.microsoft.com/office/powerpoint/2010/main" xmlns:p15="http://schemas.microsoft.com/office/powerpoint/2012/main">
-  <p:cSld>
-    <p:spTree>
-      <p:nvGrpSpPr>
-        <p:cNvPr id="1973" name="Shape 1973"/>
-        <p:cNvGrpSpPr/>
-        <p:nvPr/>
-      </p:nvGrpSpPr>
-      <p:grpSpPr>
-        <a:xfrm>
-          <a:off x="0" y="0"/>
-          <a:ext cx="0" cy="0"/>
-          <a:chOff x="0" y="0"/>
-          <a:chExt cx="0" cy="0"/>
-        </a:xfrm>
-      </p:grpSpPr>
-      <p:sp>
-        <p:nvSpPr>
-          <p:cNvPr id="1974" name="Google Shape;1974;p19"/>
-          <p:cNvSpPr txBox="1"/>
-          <p:nvPr>
-            <p:ph type="title"/>
-          </p:nvPr>
-        </p:nvSpPr>
-        <p:spPr>
-          <a:xfrm>
-            <a:off x="1303800" y="598575"/>
-            <a:ext cx="7030500" cy="999300"/>
-          </a:xfrm>
-          <a:prstGeom prst="rect">
-            <a:avLst/>
-          </a:prstGeom>
-        </p:spPr>
-        <p:txBody>
-          <a:bodyPr anchorCtr="0" anchor="t" bIns="91425" lIns="91425" spcFirstLastPara="1" rIns="91425" wrap="square" tIns="91425">
-            <a:noAutofit/>
-          </a:bodyPr>
-          <a:lstStyle/>
-          <a:p>
-            <a:pPr indent="0" lvl="0" marL="0" rtl="0" algn="l">
-              <a:spcBef>
-                <a:spcPts val="0"/>
-              </a:spcBef>
-              <a:spcAft>
-                <a:spcPts val="0"/>
-              </a:spcAft>
-              <a:buNone/>
-            </a:pPr>
-            <a:r>
-              <a:rPr lang="en"/>
-              <a:t>TUNING AND CROSS VALIDATION</a:t>
-            </a:r>
-            <a:endParaRPr/>
+            <a:endParaRPr sz="1500"/>
           </a:p>
         </p:txBody>
       </p:sp>
       <p:pic>
         <p:nvPicPr>
-          <p:cNvPr id="1975" name="Google Shape;1975;p19"/>
+          <p:cNvPr id="1970" name="Google Shape;1970;p18"/>
           <p:cNvPicPr preferRelativeResize="0"/>
           <p:nvPr/>
         </p:nvPicPr>
@@ -61197,8 +63139,8 @@
         </p:blipFill>
         <p:spPr>
           <a:xfrm>
-            <a:off x="205550" y="1464425"/>
-            <a:ext cx="2780223" cy="1726900"/>
+            <a:off x="1925375" y="1966625"/>
+            <a:ext cx="9525" cy="9525"/>
           </a:xfrm>
           <a:prstGeom prst="rect">
             <a:avLst/>
@@ -61211,22 +63153,21 @@
       </p:pic>
       <p:pic>
         <p:nvPicPr>
-          <p:cNvPr id="1976" name="Google Shape;1976;p19"/>
+          <p:cNvPr id="1971" name="Google Shape;1971;p18"/>
           <p:cNvPicPr preferRelativeResize="0"/>
           <p:nvPr/>
         </p:nvPicPr>
-        <p:blipFill>
+        <p:blipFill rotWithShape="1">
           <a:blip r:embed="rId4">
             <a:alphaModFix/>
           </a:blip>
-          <a:stretch>
-            <a:fillRect/>
-          </a:stretch>
+          <a:srcRect b="9324" l="3707" r="0" t="15476"/>
+          <a:stretch/>
         </p:blipFill>
         <p:spPr>
           <a:xfrm>
-            <a:off x="3073400" y="1464425"/>
-            <a:ext cx="2694524" cy="1675625"/>
+            <a:off x="278875" y="1574500"/>
+            <a:ext cx="2673625" cy="999300"/>
           </a:xfrm>
           <a:prstGeom prst="rect">
             <a:avLst/>
@@ -61239,7 +63180,7 @@
       </p:pic>
       <p:pic>
         <p:nvPicPr>
-          <p:cNvPr id="1977" name="Google Shape;1977;p19"/>
+          <p:cNvPr id="1972" name="Google Shape;1972;p18"/>
           <p:cNvPicPr preferRelativeResize="0"/>
           <p:nvPr/>
         </p:nvPicPr>
@@ -61253,92 +63194,8 @@
         </p:blipFill>
         <p:spPr>
           <a:xfrm>
-            <a:off x="5831830" y="1489031"/>
-            <a:ext cx="2796899" cy="1727219"/>
-          </a:xfrm>
-          <a:prstGeom prst="rect">
-            <a:avLst/>
-          </a:prstGeom>
-          <a:noFill/>
-          <a:ln>
-            <a:noFill/>
-          </a:ln>
-        </p:spPr>
-      </p:pic>
-      <p:pic>
-        <p:nvPicPr>
-          <p:cNvPr id="1978" name="Google Shape;1978;p19"/>
-          <p:cNvPicPr preferRelativeResize="0"/>
-          <p:nvPr/>
-        </p:nvPicPr>
-        <p:blipFill>
-          <a:blip r:embed="rId6">
-            <a:alphaModFix/>
-          </a:blip>
-          <a:stretch>
-            <a:fillRect/>
-          </a:stretch>
-        </p:blipFill>
-        <p:spPr>
-          <a:xfrm>
-            <a:off x="205550" y="3378225"/>
-            <a:ext cx="2694526" cy="1665001"/>
-          </a:xfrm>
-          <a:prstGeom prst="rect">
-            <a:avLst/>
-          </a:prstGeom>
-          <a:noFill/>
-          <a:ln>
-            <a:noFill/>
-          </a:ln>
-        </p:spPr>
-      </p:pic>
-      <p:pic>
-        <p:nvPicPr>
-          <p:cNvPr id="1979" name="Google Shape;1979;p19"/>
-          <p:cNvPicPr preferRelativeResize="0"/>
-          <p:nvPr/>
-        </p:nvPicPr>
-        <p:blipFill>
-          <a:blip r:embed="rId7">
-            <a:alphaModFix/>
-          </a:blip>
-          <a:stretch>
-            <a:fillRect/>
-          </a:stretch>
-        </p:blipFill>
-        <p:spPr>
-          <a:xfrm>
-            <a:off x="2971025" y="3342174"/>
-            <a:ext cx="2796900" cy="1726889"/>
-          </a:xfrm>
-          <a:prstGeom prst="rect">
-            <a:avLst/>
-          </a:prstGeom>
-          <a:noFill/>
-          <a:ln>
-            <a:noFill/>
-          </a:ln>
-        </p:spPr>
-      </p:pic>
-      <p:pic>
-        <p:nvPicPr>
-          <p:cNvPr id="1980" name="Google Shape;1980;p19"/>
-          <p:cNvPicPr preferRelativeResize="0"/>
-          <p:nvPr/>
-        </p:nvPicPr>
-        <p:blipFill>
-          <a:blip r:embed="rId8">
-            <a:alphaModFix/>
-          </a:blip>
-          <a:stretch>
-            <a:fillRect/>
-          </a:stretch>
-        </p:blipFill>
-        <p:spPr>
-          <a:xfrm>
-            <a:off x="5831826" y="3342177"/>
-            <a:ext cx="2883480" cy="1767848"/>
+            <a:off x="3068700" y="1222631"/>
+            <a:ext cx="5912124" cy="3416143"/>
           </a:xfrm>
           <a:prstGeom prst="rect">
             <a:avLst/>
@@ -61351,151 +63208,34 @@
       </p:pic>
       <p:sp>
         <p:nvSpPr>
-          <p:cNvPr id="1981" name="Google Shape;1981;p19"/>
-          <p:cNvSpPr txBox="1"/>
+          <p:cNvPr id="1973" name="Google Shape;1973;p18"/>
+          <p:cNvSpPr/>
           <p:nvPr/>
         </p:nvSpPr>
         <p:spPr>
           <a:xfrm>
-            <a:off x="1140000" y="1226350"/>
-            <a:ext cx="7358100" cy="484800"/>
-          </a:xfrm>
-          <a:prstGeom prst="rect">
-            <a:avLst/>
-          </a:prstGeom>
-          <a:noFill/>
-          <a:ln>
-            <a:noFill/>
+            <a:off x="6861825" y="2666400"/>
+            <a:ext cx="622200" cy="596100"/>
+          </a:xfrm>
+          <a:prstGeom prst="ellipse">
+            <a:avLst/>
+          </a:prstGeom>
+          <a:noFill/>
+          <a:ln cap="flat" cmpd="sng" w="9525">
+            <a:solidFill>
+              <a:srgbClr val="FF0000"/>
+            </a:solidFill>
+            <a:prstDash val="solid"/>
+            <a:round/>
+            <a:headEnd len="sm" w="sm" type="none"/>
+            <a:tailEnd len="sm" w="sm" type="none"/>
           </a:ln>
         </p:spPr>
         <p:txBody>
-          <a:bodyPr anchorCtr="0" anchor="t" bIns="91425" lIns="91425" spcFirstLastPara="1" rIns="91425" wrap="square" tIns="91425">
+          <a:bodyPr anchorCtr="0" anchor="ctr" bIns="91425" lIns="91425" spcFirstLastPara="1" rIns="91425" wrap="square" tIns="91425">
             <a:noAutofit/>
           </a:bodyPr>
           <a:lstStyle/>
-          <a:p>
-            <a:pPr indent="0" lvl="0" marL="0" rtl="0" algn="l">
-              <a:spcBef>
-                <a:spcPts val="0"/>
-              </a:spcBef>
-              <a:spcAft>
-                <a:spcPts val="0"/>
-              </a:spcAft>
-              <a:buNone/>
-            </a:pPr>
-            <a:r>
-              <a:rPr lang="en" sz="1000"/>
-              <a:t>(200, 5)                                                                       (200, 10)                                                                     (200, 10)</a:t>
-            </a:r>
-            <a:endParaRPr sz="1000"/>
-          </a:p>
-        </p:txBody>
-      </p:sp>
-      <p:sp>
-        <p:nvSpPr>
-          <p:cNvPr id="1982" name="Google Shape;1982;p19"/>
-          <p:cNvSpPr txBox="1"/>
-          <p:nvPr/>
-        </p:nvSpPr>
-        <p:spPr>
-          <a:xfrm>
-            <a:off x="1194425" y="3088425"/>
-            <a:ext cx="7358100" cy="484800"/>
-          </a:xfrm>
-          <a:prstGeom prst="rect">
-            <a:avLst/>
-          </a:prstGeom>
-          <a:noFill/>
-          <a:ln>
-            <a:noFill/>
-          </a:ln>
-        </p:spPr>
-        <p:txBody>
-          <a:bodyPr anchorCtr="0" anchor="t" bIns="91425" lIns="91425" spcFirstLastPara="1" rIns="91425" wrap="square" tIns="91425">
-            <a:noAutofit/>
-          </a:bodyPr>
-          <a:lstStyle/>
-          <a:p>
-            <a:pPr indent="0" lvl="0" marL="0" rtl="0" algn="l">
-              <a:spcBef>
-                <a:spcPts val="0"/>
-              </a:spcBef>
-              <a:spcAft>
-                <a:spcPts val="0"/>
-              </a:spcAft>
-              <a:buNone/>
-            </a:pPr>
-            <a:r>
-              <a:rPr lang="en" sz="1000"/>
-              <a:t>(300, 5)                                                                       (300, 10)                                                                     (300, 10)</a:t>
-            </a:r>
-            <a:endParaRPr sz="1000"/>
-          </a:p>
-        </p:txBody>
-      </p:sp>
-    </p:spTree>
-  </p:cSld>
-  <p:clrMapOvr>
-    <a:masterClrMapping/>
-  </p:clrMapOvr>
-</p:sld>
-</file>
-
-<file path=ppt/slides/slide8.xml><?xml version="1.0" encoding="utf-8"?>
-<p:sld xmlns:a="http://schemas.openxmlformats.org/drawingml/2006/main" xmlns:r="http://schemas.openxmlformats.org/officeDocument/2006/relationships" xmlns:mc="http://schemas.openxmlformats.org/markup-compatibility/2006" xmlns:mv="urn:schemas-microsoft-com:mac:vml" xmlns:p="http://schemas.openxmlformats.org/presentationml/2006/main" xmlns:c="http://schemas.openxmlformats.org/drawingml/2006/chart" xmlns:dgm="http://schemas.openxmlformats.org/drawingml/2006/diagram" xmlns:o="urn:schemas-microsoft-com:office:office" xmlns:v="urn:schemas-microsoft-com:vml" xmlns:pvml="urn:schemas-microsoft-com:office:powerpoint" xmlns:com="http://schemas.openxmlformats.org/drawingml/2006/compatibility" xmlns:p14="http://schemas.microsoft.com/office/powerpoint/2010/main" xmlns:p15="http://schemas.microsoft.com/office/powerpoint/2012/main">
-  <p:cSld>
-    <p:spTree>
-      <p:nvGrpSpPr>
-        <p:cNvPr id="1986" name="Shape 1986"/>
-        <p:cNvGrpSpPr/>
-        <p:nvPr/>
-      </p:nvGrpSpPr>
-      <p:grpSpPr>
-        <a:xfrm>
-          <a:off x="0" y="0"/>
-          <a:ext cx="0" cy="0"/>
-          <a:chOff x="0" y="0"/>
-          <a:chExt cx="0" cy="0"/>
-        </a:xfrm>
-      </p:grpSpPr>
-      <p:sp>
-        <p:nvSpPr>
-          <p:cNvPr id="1987" name="Google Shape;1987;p20"/>
-          <p:cNvSpPr txBox="1"/>
-          <p:nvPr>
-            <p:ph type="title"/>
-          </p:nvPr>
-        </p:nvSpPr>
-        <p:spPr>
-          <a:xfrm>
-            <a:off x="1303800" y="598575"/>
-            <a:ext cx="7030500" cy="999300"/>
-          </a:xfrm>
-          <a:prstGeom prst="rect">
-            <a:avLst/>
-          </a:prstGeom>
-        </p:spPr>
-        <p:txBody>
-          <a:bodyPr anchorCtr="0" anchor="t" bIns="91425" lIns="91425" spcFirstLastPara="1" rIns="91425" wrap="square" tIns="91425">
-            <a:noAutofit/>
-          </a:bodyPr>
-          <a:lstStyle/>
-          <a:p>
-            <a:pPr indent="0" lvl="0" marL="0" rtl="0" algn="l">
-              <a:spcBef>
-                <a:spcPts val="0"/>
-              </a:spcBef>
-              <a:spcAft>
-                <a:spcPts val="0"/>
-              </a:spcAft>
-              <a:buNone/>
-            </a:pPr>
-            <a:r>
-              <a:rPr lang="en"/>
-              <a:t>TUNING AND CROSS VALIDATION</a:t>
-            </a:r>
-            <a:endParaRPr/>
-          </a:p>
           <a:p>
             <a:pPr indent="0" lvl="0" marL="0" rtl="0" algn="l">
               <a:spcBef>
@@ -61515,16 +63255,83 @@
       </p:sp>
       <p:sp>
         <p:nvSpPr>
-          <p:cNvPr id="1988" name="Google Shape;1988;p20"/>
+          <p:cNvPr id="1974" name="Google Shape;1974;p18"/>
+          <p:cNvSpPr txBox="1"/>
+          <p:nvPr/>
+        </p:nvSpPr>
+        <p:spPr>
+          <a:xfrm>
+            <a:off x="898550" y="1264600"/>
+            <a:ext cx="1990800" cy="309900"/>
+          </a:xfrm>
+          <a:prstGeom prst="rect">
+            <a:avLst/>
+          </a:prstGeom>
+          <a:noFill/>
+          <a:ln>
+            <a:noFill/>
+          </a:ln>
+        </p:spPr>
+        <p:txBody>
+          <a:bodyPr anchorCtr="0" anchor="t" bIns="91425" lIns="91425" spcFirstLastPara="1" rIns="91425" wrap="square" tIns="91425">
+            <a:noAutofit/>
+          </a:bodyPr>
+          <a:lstStyle/>
+          <a:p>
+            <a:pPr indent="0" lvl="0" marL="0" rtl="0" algn="l">
+              <a:spcBef>
+                <a:spcPts val="0"/>
+              </a:spcBef>
+              <a:spcAft>
+                <a:spcPts val="0"/>
+              </a:spcAft>
+              <a:buNone/>
+            </a:pPr>
+            <a:r>
+              <a:rPr lang="en" sz="1000"/>
+              <a:t>CV Error                   CV SD</a:t>
+            </a:r>
+            <a:endParaRPr sz="1000"/>
+          </a:p>
+        </p:txBody>
+      </p:sp>
+    </p:spTree>
+  </p:cSld>
+  <p:clrMapOvr>
+    <a:masterClrMapping/>
+  </p:clrMapOvr>
+</p:sld>
+</file>
+
+<file path=ppt/slides/slide7.xml><?xml version="1.0" encoding="utf-8"?>
+<p:sld xmlns:a="http://schemas.openxmlformats.org/drawingml/2006/main" xmlns:r="http://schemas.openxmlformats.org/officeDocument/2006/relationships" xmlns:mc="http://schemas.openxmlformats.org/markup-compatibility/2006" xmlns:mv="urn:schemas-microsoft-com:mac:vml" xmlns:p="http://schemas.openxmlformats.org/presentationml/2006/main" xmlns:c="http://schemas.openxmlformats.org/drawingml/2006/chart" xmlns:dgm="http://schemas.openxmlformats.org/drawingml/2006/diagram" xmlns:o="urn:schemas-microsoft-com:office:office" xmlns:v="urn:schemas-microsoft-com:vml" xmlns:pvml="urn:schemas-microsoft-com:office:powerpoint" xmlns:com="http://schemas.openxmlformats.org/drawingml/2006/compatibility" xmlns:p14="http://schemas.microsoft.com/office/powerpoint/2010/main" xmlns:p15="http://schemas.microsoft.com/office/powerpoint/2012/main">
+  <p:cSld>
+    <p:spTree>
+      <p:nvGrpSpPr>
+        <p:cNvPr id="1978" name="Shape 1978"/>
+        <p:cNvGrpSpPr/>
+        <p:nvPr/>
+      </p:nvGrpSpPr>
+      <p:grpSpPr>
+        <a:xfrm>
+          <a:off x="0" y="0"/>
+          <a:ext cx="0" cy="0"/>
+          <a:chOff x="0" y="0"/>
+          <a:chExt cx="0" cy="0"/>
+        </a:xfrm>
+      </p:grpSpPr>
+      <p:sp>
+        <p:nvSpPr>
+          <p:cNvPr id="1979" name="Google Shape;1979;p19"/>
           <p:cNvSpPr txBox="1"/>
           <p:nvPr>
-            <p:ph idx="1" type="body"/>
+            <p:ph type="title"/>
           </p:nvPr>
         </p:nvSpPr>
         <p:spPr>
           <a:xfrm>
-            <a:off x="885400" y="1780850"/>
-            <a:ext cx="3430500" cy="2541600"/>
+            <a:off x="1303800" y="89725"/>
+            <a:ext cx="7030500" cy="553200"/>
           </a:xfrm>
           <a:prstGeom prst="rect">
             <a:avLst/>
@@ -61547,30 +63354,38 @@
             </a:pPr>
             <a:r>
               <a:rPr lang="en"/>
-              <a:t>In the end, we use (1) number of trees = 500, and (2) depth = 40. This gives us </a:t>
-            </a:r>
-            <a:r>
-              <a:rPr b="1" lang="en" u="sng"/>
-              <a:t>average cv error of 7.6%</a:t>
-            </a:r>
-            <a:r>
-              <a:rPr lang="en"/>
-              <a:t>, an </a:t>
-            </a:r>
-            <a:r>
-              <a:rPr b="1" lang="en" u="sng"/>
-              <a:t>estimated 15% error reduction </a:t>
-            </a:r>
-            <a:r>
-              <a:rPr lang="en"/>
-              <a:t>from baseline model with standard deviation to be 0.1%.  </a:t>
+              <a:t>BASELINE MODEL TUNING</a:t>
             </a:r>
             <a:endParaRPr/>
           </a:p>
+        </p:txBody>
+      </p:sp>
+      <p:sp>
+        <p:nvSpPr>
+          <p:cNvPr id="1980" name="Google Shape;1980;p19"/>
+          <p:cNvSpPr txBox="1"/>
+          <p:nvPr>
+            <p:ph idx="1" type="body"/>
+          </p:nvPr>
+        </p:nvSpPr>
+        <p:spPr>
+          <a:xfrm>
+            <a:off x="1151400" y="704725"/>
+            <a:ext cx="7930200" cy="424200"/>
+          </a:xfrm>
+          <a:prstGeom prst="rect">
+            <a:avLst/>
+          </a:prstGeom>
+        </p:spPr>
+        <p:txBody>
+          <a:bodyPr anchorCtr="0" anchor="t" bIns="91425" lIns="91425" spcFirstLastPara="1" rIns="91425" wrap="square" tIns="91425">
+            <a:noAutofit/>
+          </a:bodyPr>
+          <a:lstStyle/>
           <a:p>
             <a:pPr indent="0" lvl="0" marL="0" rtl="0" algn="l">
               <a:spcBef>
-                <a:spcPts val="1600"/>
+                <a:spcPts val="0"/>
               </a:spcBef>
               <a:spcAft>
                 <a:spcPts val="1600"/>
@@ -61578,30 +63393,67 @@
               <a:buNone/>
             </a:pPr>
             <a:r>
-              <a:t/>
+              <a:rPr lang="en" sz="1500">
+                <a:solidFill>
+                  <a:srgbClr val="222222"/>
+                </a:solidFill>
+                <a:highlight>
+                  <a:srgbClr val="FFFFFF"/>
+                </a:highlight>
+                <a:latin typeface="Arial"/>
+                <a:ea typeface="Arial"/>
+                <a:cs typeface="Arial"/>
+                <a:sym typeface="Arial"/>
+              </a:rPr>
+              <a:t>Tune: </a:t>
             </a:r>
-            <a:endParaRPr/>
+            <a:r>
+              <a:rPr lang="en" sz="1500">
+                <a:solidFill>
+                  <a:srgbClr val="222222"/>
+                </a:solidFill>
+                <a:highlight>
+                  <a:srgbClr val="FFFFFF"/>
+                </a:highlight>
+                <a:latin typeface="Arial"/>
+                <a:ea typeface="Arial"/>
+                <a:cs typeface="Arial"/>
+                <a:sym typeface="Arial"/>
+              </a:rPr>
+              <a:t>This result was generated changing bag fraction and holding everything else fixed.</a:t>
+            </a:r>
+            <a:endParaRPr sz="1500">
+              <a:solidFill>
+                <a:srgbClr val="222222"/>
+              </a:solidFill>
+              <a:highlight>
+                <a:srgbClr val="FFFFFF"/>
+              </a:highlight>
+              <a:latin typeface="Arial"/>
+              <a:ea typeface="Arial"/>
+              <a:cs typeface="Arial"/>
+              <a:sym typeface="Arial"/>
+            </a:endParaRPr>
           </a:p>
         </p:txBody>
       </p:sp>
       <p:pic>
         <p:nvPicPr>
-          <p:cNvPr id="1989" name="Google Shape;1989;p20"/>
+          <p:cNvPr id="1981" name="Google Shape;1981;p19"/>
           <p:cNvPicPr preferRelativeResize="0"/>
           <p:nvPr/>
         </p:nvPicPr>
-        <p:blipFill>
+        <p:blipFill rotWithShape="1">
           <a:blip r:embed="rId3">
             <a:alphaModFix/>
           </a:blip>
-          <a:stretch>
-            <a:fillRect/>
-          </a:stretch>
+          <a:srcRect b="17280" l="0" r="0" t="0"/>
+          <a:stretch/>
         </p:blipFill>
         <p:spPr>
           <a:xfrm>
-            <a:off x="4541375" y="1695275"/>
-            <a:ext cx="3893975" cy="2446825"/>
+            <a:off x="317575" y="1512775"/>
+            <a:ext cx="2771875" cy="826600"/>
           </a:xfrm>
           <a:prstGeom prst="rect">
             <a:avLst/>
@@ -61612,6 +63464,75 @@
           </a:ln>
         </p:spPr>
       </p:pic>
+      <p:pic>
+        <p:nvPicPr>
+          <p:cNvPr id="1982" name="Google Shape;1982;p19"/>
+          <p:cNvPicPr preferRelativeResize="0"/>
+          <p:nvPr/>
+        </p:nvPicPr>
+        <p:blipFill rotWithShape="1">
+          <a:blip r:embed="rId4">
+            <a:alphaModFix/>
+          </a:blip>
+          <a:srcRect b="6751" l="0" r="0" t="0"/>
+          <a:stretch/>
+        </p:blipFill>
+        <p:spPr>
+          <a:xfrm>
+            <a:off x="2771875" y="1128775"/>
+            <a:ext cx="6372126" cy="3464725"/>
+          </a:xfrm>
+          <a:prstGeom prst="rect">
+            <a:avLst/>
+          </a:prstGeom>
+          <a:noFill/>
+          <a:ln>
+            <a:noFill/>
+          </a:ln>
+        </p:spPr>
+      </p:pic>
+      <p:sp>
+        <p:nvSpPr>
+          <p:cNvPr id="1983" name="Google Shape;1983;p19"/>
+          <p:cNvSpPr txBox="1"/>
+          <p:nvPr/>
+        </p:nvSpPr>
+        <p:spPr>
+          <a:xfrm>
+            <a:off x="898550" y="1264600"/>
+            <a:ext cx="1990800" cy="309900"/>
+          </a:xfrm>
+          <a:prstGeom prst="rect">
+            <a:avLst/>
+          </a:prstGeom>
+          <a:noFill/>
+          <a:ln>
+            <a:noFill/>
+          </a:ln>
+        </p:spPr>
+        <p:txBody>
+          <a:bodyPr anchorCtr="0" anchor="t" bIns="91425" lIns="91425" spcFirstLastPara="1" rIns="91425" wrap="square" tIns="91425">
+            <a:noAutofit/>
+          </a:bodyPr>
+          <a:lstStyle/>
+          <a:p>
+            <a:pPr indent="0" lvl="0" marL="0" rtl="0" algn="l">
+              <a:spcBef>
+                <a:spcPts val="0"/>
+              </a:spcBef>
+              <a:spcAft>
+                <a:spcPts val="0"/>
+              </a:spcAft>
+              <a:buNone/>
+            </a:pPr>
+            <a:r>
+              <a:rPr lang="en" sz="1000"/>
+              <a:t>CV Error                   CV SD</a:t>
+            </a:r>
+            <a:endParaRPr sz="1000"/>
+          </a:p>
+        </p:txBody>
+      </p:sp>
     </p:spTree>
   </p:cSld>
   <p:clrMapOvr>
@@ -61620,12 +63541,12 @@
 </p:sld>
 </file>
 
-<file path=ppt/slides/slide9.xml><?xml version="1.0" encoding="utf-8"?>
+<file path=ppt/slides/slide8.xml><?xml version="1.0" encoding="utf-8"?>
 <p:sld xmlns:a="http://schemas.openxmlformats.org/drawingml/2006/main" xmlns:r="http://schemas.openxmlformats.org/officeDocument/2006/relationships" xmlns:mc="http://schemas.openxmlformats.org/markup-compatibility/2006" xmlns:mv="urn:schemas-microsoft-com:mac:vml" xmlns:p="http://schemas.openxmlformats.org/presentationml/2006/main" xmlns:c="http://schemas.openxmlformats.org/drawingml/2006/chart" xmlns:dgm="http://schemas.openxmlformats.org/drawingml/2006/diagram" xmlns:o="urn:schemas-microsoft-com:office:office" xmlns:v="urn:schemas-microsoft-com:vml" xmlns:pvml="urn:schemas-microsoft-com:office:powerpoint" xmlns:com="http://schemas.openxmlformats.org/drawingml/2006/compatibility" xmlns:p14="http://schemas.microsoft.com/office/powerpoint/2010/main" xmlns:p15="http://schemas.microsoft.com/office/powerpoint/2012/main">
   <p:cSld>
     <p:spTree>
       <p:nvGrpSpPr>
-        <p:cNvPr id="1993" name="Shape 1993"/>
+        <p:cNvPr id="1987" name="Shape 1987"/>
         <p:cNvGrpSpPr/>
         <p:nvPr/>
       </p:nvGrpSpPr>
@@ -61639,7 +63560,7 @@
       </p:grpSpPr>
       <p:sp>
         <p:nvSpPr>
-          <p:cNvPr id="1994" name="Google Shape;1994;p21"/>
+          <p:cNvPr id="1988" name="Google Shape;1988;p20"/>
           <p:cNvSpPr txBox="1"/>
           <p:nvPr>
             <p:ph type="title"/>
@@ -61671,7 +63592,7 @@
             </a:pPr>
             <a:r>
               <a:rPr lang="en"/>
-              <a:t>PREDICTION</a:t>
+              <a:t>SUMMARY</a:t>
             </a:r>
             <a:endParaRPr/>
           </a:p>
@@ -61679,7 +63600,7 @@
       </p:sp>
       <p:sp>
         <p:nvSpPr>
-          <p:cNvPr id="1995" name="Google Shape;1995;p21"/>
+          <p:cNvPr id="1989" name="Google Shape;1989;p20"/>
           <p:cNvSpPr txBox="1"/>
           <p:nvPr>
             <p:ph idx="1" type="body"/>
@@ -61687,8 +63608,8 @@
         </p:nvSpPr>
         <p:spPr>
           <a:xfrm>
-            <a:off x="1303800" y="1990050"/>
-            <a:ext cx="7030500" cy="2541600"/>
+            <a:off x="1303800" y="1532850"/>
+            <a:ext cx="3430500" cy="2541600"/>
           </a:xfrm>
           <a:prstGeom prst="rect">
             <a:avLst/>
@@ -61700,88 +63621,363 @@
           </a:bodyPr>
           <a:lstStyle/>
           <a:p>
-            <a:pPr indent="-311150" lvl="0" marL="457200" rtl="0" algn="l">
+            <a:pPr indent="0" lvl="0" marL="0" rtl="0" algn="l">
+              <a:spcBef>
+                <a:spcPts val="0"/>
+              </a:spcBef>
+              <a:spcAft>
+                <a:spcPts val="1600"/>
+              </a:spcAft>
+              <a:buNone/>
+            </a:pPr>
+            <a:r>
+              <a:rPr lang="en"/>
+              <a:t>Original Picture</a:t>
+            </a:r>
+            <a:endParaRPr/>
+          </a:p>
+        </p:txBody>
+      </p:sp>
+      <p:sp>
+        <p:nvSpPr>
+          <p:cNvPr id="1990" name="Google Shape;1990;p20"/>
+          <p:cNvSpPr txBox="1"/>
+          <p:nvPr>
+            <p:ph idx="2" type="body"/>
+          </p:nvPr>
+        </p:nvSpPr>
+        <p:spPr>
+          <a:xfrm>
+            <a:off x="4903650" y="1532850"/>
+            <a:ext cx="3430500" cy="2541600"/>
+          </a:xfrm>
+          <a:prstGeom prst="rect">
+            <a:avLst/>
+          </a:prstGeom>
+        </p:spPr>
+        <p:txBody>
+          <a:bodyPr anchorCtr="0" anchor="t" bIns="91425" lIns="91425" spcFirstLastPara="1" rIns="91425" wrap="square" tIns="91425">
+            <a:noAutofit/>
+          </a:bodyPr>
+          <a:lstStyle/>
+          <a:p>
+            <a:pPr indent="0" lvl="0" marL="0" rtl="0" algn="l">
+              <a:spcBef>
+                <a:spcPts val="0"/>
+              </a:spcBef>
+              <a:spcAft>
+                <a:spcPts val="1600"/>
+              </a:spcAft>
+              <a:buNone/>
+            </a:pPr>
+            <a:r>
+              <a:rPr lang="en"/>
+              <a:t>Baseline Model</a:t>
+            </a:r>
+            <a:endParaRPr/>
+          </a:p>
+        </p:txBody>
+      </p:sp>
+      <p:pic>
+        <p:nvPicPr>
+          <p:cNvPr id="1991" name="Google Shape;1991;p20"/>
+          <p:cNvPicPr preferRelativeResize="0"/>
+          <p:nvPr/>
+        </p:nvPicPr>
+        <p:blipFill>
+          <a:blip r:embed="rId3">
+            <a:alphaModFix/>
+          </a:blip>
+          <a:stretch>
+            <a:fillRect/>
+          </a:stretch>
+        </p:blipFill>
+        <p:spPr>
+          <a:xfrm>
+            <a:off x="4903638" y="2039175"/>
+            <a:ext cx="3111125" cy="1750000"/>
+          </a:xfrm>
+          <a:prstGeom prst="rect">
+            <a:avLst/>
+          </a:prstGeom>
+          <a:noFill/>
+          <a:ln>
+            <a:noFill/>
+          </a:ln>
+        </p:spPr>
+      </p:pic>
+      <p:pic>
+        <p:nvPicPr>
+          <p:cNvPr id="1992" name="Google Shape;1992;p20"/>
+          <p:cNvPicPr preferRelativeResize="0"/>
+          <p:nvPr/>
+        </p:nvPicPr>
+        <p:blipFill>
+          <a:blip r:embed="rId4">
+            <a:alphaModFix/>
+          </a:blip>
+          <a:stretch>
+            <a:fillRect/>
+          </a:stretch>
+        </p:blipFill>
+        <p:spPr>
+          <a:xfrm>
+            <a:off x="1378850" y="2039173"/>
+            <a:ext cx="2387550" cy="1343000"/>
+          </a:xfrm>
+          <a:prstGeom prst="rect">
+            <a:avLst/>
+          </a:prstGeom>
+          <a:noFill/>
+          <a:ln>
+            <a:noFill/>
+          </a:ln>
+        </p:spPr>
+      </p:pic>
+    </p:spTree>
+  </p:cSld>
+  <p:clrMapOvr>
+    <a:masterClrMapping/>
+  </p:clrMapOvr>
+</p:sld>
+</file>
+
+<file path=ppt/slides/slide9.xml><?xml version="1.0" encoding="utf-8"?>
+<p:sld xmlns:a="http://schemas.openxmlformats.org/drawingml/2006/main" xmlns:r="http://schemas.openxmlformats.org/officeDocument/2006/relationships" xmlns:mc="http://schemas.openxmlformats.org/markup-compatibility/2006" xmlns:mv="urn:schemas-microsoft-com:mac:vml" xmlns:p="http://schemas.openxmlformats.org/presentationml/2006/main" xmlns:c="http://schemas.openxmlformats.org/drawingml/2006/chart" xmlns:dgm="http://schemas.openxmlformats.org/drawingml/2006/diagram" xmlns:o="urn:schemas-microsoft-com:office:office" xmlns:v="urn:schemas-microsoft-com:vml" xmlns:pvml="urn:schemas-microsoft-com:office:powerpoint" xmlns:com="http://schemas.openxmlformats.org/drawingml/2006/compatibility" xmlns:p14="http://schemas.microsoft.com/office/powerpoint/2010/main" xmlns:p15="http://schemas.microsoft.com/office/powerpoint/2012/main">
+  <p:cSld>
+    <p:spTree>
+      <p:nvGrpSpPr>
+        <p:cNvPr id="1996" name="Shape 1996"/>
+        <p:cNvGrpSpPr/>
+        <p:nvPr/>
+      </p:nvGrpSpPr>
+      <p:grpSpPr>
+        <a:xfrm>
+          <a:off x="0" y="0"/>
+          <a:ext cx="0" cy="0"/>
+          <a:chOff x="0" y="0"/>
+          <a:chExt cx="0" cy="0"/>
+        </a:xfrm>
+      </p:grpSpPr>
+      <p:sp>
+        <p:nvSpPr>
+          <p:cNvPr id="1997" name="Google Shape;1997;p21"/>
+          <p:cNvSpPr txBox="1"/>
+          <p:nvPr>
+            <p:ph type="title"/>
+          </p:nvPr>
+        </p:nvSpPr>
+        <p:spPr>
+          <a:xfrm>
+            <a:off x="1303800" y="103475"/>
+            <a:ext cx="7030500" cy="523800"/>
+          </a:xfrm>
+          <a:prstGeom prst="rect">
+            <a:avLst/>
+          </a:prstGeom>
+        </p:spPr>
+        <p:txBody>
+          <a:bodyPr anchorCtr="0" anchor="t" bIns="91425" lIns="91425" spcFirstLastPara="1" rIns="91425" wrap="square" tIns="91425">
+            <a:noAutofit/>
+          </a:bodyPr>
+          <a:lstStyle/>
+          <a:p>
+            <a:pPr indent="0" lvl="0" marL="0" rtl="0" algn="l">
               <a:spcBef>
                 <a:spcPts val="0"/>
               </a:spcBef>
               <a:spcAft>
                 <a:spcPts val="0"/>
               </a:spcAft>
-              <a:buSzPts val="1300"/>
-              <a:buChar char="-"/>
+              <a:buNone/>
             </a:pPr>
             <a:r>
               <a:rPr lang="en"/>
-              <a:t>Setting tuning parameters to (1) number of trees, and (2) depth: number of interactions.</a:t>
+              <a:t>Thoughts about Improved models</a:t>
+            </a:r>
+            <a:r>
+              <a:rPr lang="en"/>
+              <a:t> </a:t>
             </a:r>
             <a:endParaRPr/>
           </a:p>
+        </p:txBody>
+      </p:sp>
+      <p:sp>
+        <p:nvSpPr>
+          <p:cNvPr id="1998" name="Google Shape;1998;p21"/>
+          <p:cNvSpPr txBox="1"/>
+          <p:nvPr>
+            <p:ph idx="1" type="body"/>
+          </p:nvPr>
+        </p:nvSpPr>
+        <p:spPr>
+          <a:xfrm>
+            <a:off x="1303800" y="1002875"/>
+            <a:ext cx="7030500" cy="416700"/>
+          </a:xfrm>
+          <a:prstGeom prst="rect">
+            <a:avLst/>
+          </a:prstGeom>
+        </p:spPr>
+        <p:txBody>
+          <a:bodyPr anchorCtr="0" anchor="t" bIns="91425" lIns="91425" spcFirstLastPara="1" rIns="91425" wrap="square" tIns="91425">
+            <a:noAutofit/>
+          </a:bodyPr>
+          <a:lstStyle/>
           <a:p>
-            <a:pPr indent="-311150" lvl="0" marL="457200" rtl="0" algn="l">
+            <a:pPr indent="0" lvl="0" marL="0" rtl="0" algn="l">
               <a:spcBef>
                 <a:spcPts val="0"/>
               </a:spcBef>
               <a:spcAft>
                 <a:spcPts val="0"/>
               </a:spcAft>
-              <a:buSzPts val="1300"/>
-              <a:buChar char="-"/>
+              <a:buNone/>
             </a:pPr>
             <a:r>
-              <a:rPr lang="en"/>
-              <a:t>Holding all other factors equal, we observe 5-fold cross validation error to decrease when raising number of trees and also, separately, increase depth of the gradient boosting machine. </a:t>
+              <a:rPr b="1" i="1" lang="en" sz="1500"/>
+              <a:t>The disadvantage of baseline model:</a:t>
             </a:r>
-            <a:endParaRPr/>
+            <a:endParaRPr b="1" i="1" sz="1500"/>
           </a:p>
           <a:p>
-            <a:pPr indent="-311150" lvl="0" marL="457200" rtl="0" algn="l">
+            <a:pPr indent="0" lvl="0" marL="0" rtl="0" algn="l">
+              <a:spcBef>
+                <a:spcPts val="1600"/>
+              </a:spcBef>
+              <a:spcAft>
+                <a:spcPts val="1600"/>
+              </a:spcAft>
+              <a:buNone/>
+            </a:pPr>
+            <a:r>
+              <a:rPr lang="en" sz="1500"/>
+              <a:t>Although GBTs build trees one at a time, where each new tree helps to correct errors made by previously trained tree. GBDT training generally takes longer because of the fact that trees are built sequentially. </a:t>
+            </a:r>
+            <a:endParaRPr sz="1500"/>
+          </a:p>
+        </p:txBody>
+      </p:sp>
+      <p:pic>
+        <p:nvPicPr>
+          <p:cNvPr id="1999" name="Google Shape;1999;p21"/>
+          <p:cNvPicPr preferRelativeResize="0"/>
+          <p:nvPr/>
+        </p:nvPicPr>
+        <p:blipFill>
+          <a:blip r:embed="rId3">
+            <a:alphaModFix/>
+          </a:blip>
+          <a:stretch>
+            <a:fillRect/>
+          </a:stretch>
+        </p:blipFill>
+        <p:spPr>
+          <a:xfrm>
+            <a:off x="1925375" y="1966625"/>
+            <a:ext cx="9525" cy="9525"/>
+          </a:xfrm>
+          <a:prstGeom prst="rect">
+            <a:avLst/>
+          </a:prstGeom>
+          <a:noFill/>
+          <a:ln>
+            <a:noFill/>
+          </a:ln>
+        </p:spPr>
+      </p:pic>
+      <p:sp>
+        <p:nvSpPr>
+          <p:cNvPr id="2000" name="Google Shape;2000;p21"/>
+          <p:cNvSpPr txBox="1"/>
+          <p:nvPr>
+            <p:ph idx="1" type="body"/>
+          </p:nvPr>
+        </p:nvSpPr>
+        <p:spPr>
+          <a:xfrm>
+            <a:off x="1303800" y="2603075"/>
+            <a:ext cx="7030500" cy="416700"/>
+          </a:xfrm>
+          <a:prstGeom prst="rect">
+            <a:avLst/>
+          </a:prstGeom>
+        </p:spPr>
+        <p:txBody>
+          <a:bodyPr anchorCtr="0" anchor="t" bIns="91425" lIns="91425" spcFirstLastPara="1" rIns="91425" wrap="square" tIns="91425">
+            <a:noAutofit/>
+          </a:bodyPr>
+          <a:lstStyle/>
+          <a:p>
+            <a:pPr indent="0" lvl="0" marL="0" rtl="0" algn="l">
               <a:spcBef>
                 <a:spcPts val="0"/>
               </a:spcBef>
               <a:spcAft>
                 <a:spcPts val="0"/>
               </a:spcAft>
-              <a:buSzPts val="1300"/>
-              <a:buChar char="-"/>
+              <a:buNone/>
             </a:pPr>
             <a:r>
-              <a:rPr lang="en"/>
-              <a:t>We achieved cv error to be </a:t>
+              <a:rPr b="1" i="1" lang="en" sz="1500"/>
+              <a:t>The goal of improved models:</a:t>
+            </a:r>
+            <a:endParaRPr b="1" i="1" sz="1500"/>
+          </a:p>
+          <a:p>
+            <a:pPr indent="0" lvl="0" marL="0" rtl="0" algn="l">
+              <a:spcBef>
+                <a:spcPts val="1600"/>
+              </a:spcBef>
+              <a:spcAft>
+                <a:spcPts val="0"/>
+              </a:spcAft>
+              <a:buNone/>
+            </a:pPr>
+            <a:r>
+              <a:rPr lang="en" sz="1500"/>
+              <a:t>Make it faster and keep the quality of the pictures the baseline model made.</a:t>
+            </a:r>
+            <a:endParaRPr sz="1500"/>
+          </a:p>
+          <a:p>
+            <a:pPr indent="-323850" lvl="0" marL="457200" rtl="0" algn="l">
+              <a:spcBef>
+                <a:spcPts val="1600"/>
+              </a:spcBef>
+              <a:spcAft>
+                <a:spcPts val="0"/>
+              </a:spcAft>
+              <a:buSzPts val="1500"/>
+              <a:buChar char="●"/>
+            </a:pPr>
+            <a:r>
+              <a:rPr lang="en" sz="1500"/>
+              <a:t>Linear Regression mod</a:t>
             </a:r>
             <a:r>
-              <a:rPr b="1" lang="en" u="sng"/>
-              <a:t>9% for baseline </a:t>
+              <a:rPr lang="en" sz="1500"/>
+              <a:t>el </a:t>
             </a:r>
-            <a:r>
-              <a:rPr lang="en"/>
-              <a:t>model and </a:t>
-            </a:r>
-            <a:r>
-              <a:rPr b="1" lang="en" u="sng"/>
-              <a:t>7.8% for improved model</a:t>
-            </a:r>
-            <a:r>
-              <a:rPr lang="en"/>
-              <a:t>. In both cases, we use Gradient Boosting Machine. </a:t>
-            </a:r>
-            <a:endParaRPr/>
+            <a:endParaRPr sz="1500"/>
           </a:p>
           <a:p>
-            <a:pPr indent="-311150" lvl="0" marL="457200" rtl="0" algn="l">
+            <a:pPr indent="-323850" lvl="0" marL="457200" rtl="0" algn="l">
               <a:spcBef>
                 <a:spcPts val="0"/>
               </a:spcBef>
               <a:spcAft>
                 <a:spcPts val="0"/>
               </a:spcAft>
-              <a:buSzPts val="1300"/>
-              <a:buChar char="-"/>
+              <a:buSzPts val="1500"/>
+              <a:buChar char="●"/>
             </a:pPr>
             <a:r>
-              <a:rPr lang="en"/>
-              <a:t>Under time constraint, we did not infinitely increase number of trees and depth in the model. However, we conjecture that the cv error will decrease and eventually flatten out if we increase the above two tuning parameters.</a:t>
+              <a:rPr lang="en" sz="1500"/>
+              <a:t>XGBoost model with linear booster </a:t>
             </a:r>
-            <a:endParaRPr/>
+            <a:endParaRPr sz="1500"/>
           </a:p>
         </p:txBody>
       </p:sp>
@@ -61794,6 +63990,285 @@
 </file>
 
 <file path=ppt/theme/theme1.xml><?xml version="1.0" encoding="utf-8"?>
+<a:theme xmlns:a="http://schemas.openxmlformats.org/drawingml/2006/main" xmlns:r="http://schemas.openxmlformats.org/officeDocument/2006/relationships" name="Momentum">
+  <a:themeElements>
+    <a:clrScheme name="Momentum">
+      <a:dk1>
+        <a:srgbClr val="C0791B"/>
+      </a:dk1>
+      <a:lt1>
+        <a:srgbClr val="FFFFFF"/>
+      </a:lt1>
+      <a:dk2>
+        <a:srgbClr val="424242"/>
+      </a:dk2>
+      <a:lt2>
+        <a:srgbClr val="8DD8D3"/>
+      </a:lt2>
+      <a:accent1>
+        <a:srgbClr val="0B6374"/>
+      </a:accent1>
+      <a:accent2>
+        <a:srgbClr val="FD5B58"/>
+      </a:accent2>
+      <a:accent3>
+        <a:srgbClr val="599191"/>
+      </a:accent3>
+      <a:accent4>
+        <a:srgbClr val="D7E6A3"/>
+      </a:accent4>
+      <a:accent5>
+        <a:srgbClr val="27278B"/>
+      </a:accent5>
+      <a:accent6>
+        <a:srgbClr val="D558AB"/>
+      </a:accent6>
+      <a:hlink>
+        <a:srgbClr val="27278B"/>
+      </a:hlink>
+      <a:folHlink>
+        <a:srgbClr val="27278B"/>
+      </a:folHlink>
+    </a:clrScheme>
+    <a:fontScheme name="Office">
+      <a:majorFont>
+        <a:latin typeface="Arial"/>
+        <a:ea typeface=""/>
+        <a:cs typeface=""/>
+        <a:font script="Jpan" typeface="ＭＳ Ｐゴシック"/>
+        <a:font script="Hang" typeface="맑은 고딕"/>
+        <a:font script="Hans" typeface="宋体"/>
+        <a:font script="Hant" typeface="新細明體"/>
+        <a:font script="Arab" typeface="Times New Roman"/>
+        <a:font script="Hebr" typeface="Times New Roman"/>
+        <a:font script="Thai" typeface="Angsana New"/>
+        <a:font script="Ethi" typeface="Nyala"/>
+        <a:font script="Beng" typeface="Vrinda"/>
+        <a:font script="Gujr" typeface="Shruti"/>
+        <a:font script="Khmr" typeface="MoolBoran"/>
+        <a:font script="Knda" typeface="Tunga"/>
+        <a:font script="Guru" typeface="Raavi"/>
+        <a:font script="Cans" typeface="Euphemia"/>
+        <a:font script="Cher" typeface="Plantagenet Cherokee"/>
+        <a:font script="Yiii" typeface="Microsoft Yi Baiti"/>
+        <a:font script="Tibt" typeface="Microsoft Himalaya"/>
+        <a:font script="Thaa" typeface="MV Boli"/>
+        <a:font script="Deva" typeface="Mangal"/>
+        <a:font script="Telu" typeface="Gautami"/>
+        <a:font script="Taml" typeface="Latha"/>
+        <a:font script="Syrc" typeface="Estrangelo Edessa"/>
+        <a:font script="Orya" typeface="Kalinga"/>
+        <a:font script="Mlym" typeface="Kartika"/>
+        <a:font script="Laoo" typeface="DokChampa"/>
+        <a:font script="Sinh" typeface="Iskoola Pota"/>
+        <a:font script="Mong" typeface="Mongolian Baiti"/>
+        <a:font script="Viet" typeface="Times New Roman"/>
+        <a:font script="Uigh" typeface="Microsoft Uighur"/>
+        <a:font script="Geor" typeface="Sylfaen"/>
+      </a:majorFont>
+      <a:minorFont>
+        <a:latin typeface="Arial"/>
+        <a:ea typeface=""/>
+        <a:cs typeface=""/>
+        <a:font script="Jpan" typeface="ＭＳ Ｐゴシック"/>
+        <a:font script="Hang" typeface="맑은 고딕"/>
+        <a:font script="Hans" typeface="宋体"/>
+        <a:font script="Hant" typeface="新細明體"/>
+        <a:font script="Arab" typeface="Arial"/>
+        <a:font script="Hebr" typeface="Arial"/>
+        <a:font script="Thai" typeface="Cordia New"/>
+        <a:font script="Ethi" typeface="Nyala"/>
+        <a:font script="Beng" typeface="Vrinda"/>
+        <a:font script="Gujr" typeface="Shruti"/>
+        <a:font script="Khmr" typeface="DaunPenh"/>
+        <a:font script="Knda" typeface="Tunga"/>
+        <a:font script="Guru" typeface="Raavi"/>
+        <a:font script="Cans" typeface="Euphemia"/>
+        <a:font script="Cher" typeface="Plantagenet Cherokee"/>
+        <a:font script="Yiii" typeface="Microsoft Yi Baiti"/>
+        <a:font script="Tibt" typeface="Microsoft Himalaya"/>
+        <a:font script="Thaa" typeface="MV Boli"/>
+        <a:font script="Deva" typeface="Mangal"/>
+        <a:font script="Telu" typeface="Gautami"/>
+        <a:font script="Taml" typeface="Latha"/>
+        <a:font script="Syrc" typeface="Estrangelo Edessa"/>
+        <a:font script="Orya" typeface="Kalinga"/>
+        <a:font script="Mlym" typeface="Kartika"/>
+        <a:font script="Laoo" typeface="DokChampa"/>
+        <a:font script="Sinh" typeface="Iskoola Pota"/>
+        <a:font script="Mong" typeface="Mongolian Baiti"/>
+        <a:font script="Viet" typeface="Arial"/>
+        <a:font script="Uigh" typeface="Microsoft Uighur"/>
+        <a:font script="Geor" typeface="Sylfaen"/>
+      </a:minorFont>
+    </a:fontScheme>
+    <a:fmtScheme name="Office">
+      <a:fillStyleLst>
+        <a:solidFill>
+          <a:schemeClr val="phClr"/>
+        </a:solidFill>
+        <a:gradFill rotWithShape="1">
+          <a:gsLst>
+            <a:gs pos="0">
+              <a:schemeClr val="phClr">
+                <a:tint val="50000"/>
+                <a:satMod val="300000"/>
+              </a:schemeClr>
+            </a:gs>
+            <a:gs pos="35000">
+              <a:schemeClr val="phClr">
+                <a:tint val="37000"/>
+                <a:satMod val="300000"/>
+              </a:schemeClr>
+            </a:gs>
+            <a:gs pos="100000">
+              <a:schemeClr val="phClr">
+                <a:tint val="15000"/>
+                <a:satMod val="350000"/>
+              </a:schemeClr>
+            </a:gs>
+          </a:gsLst>
+          <a:lin ang="16200000" scaled="1"/>
+        </a:gradFill>
+        <a:gradFill rotWithShape="1">
+          <a:gsLst>
+            <a:gs pos="0">
+              <a:schemeClr val="phClr">
+                <a:tint val="100000"/>
+                <a:shade val="100000"/>
+                <a:satMod val="130000"/>
+              </a:schemeClr>
+            </a:gs>
+            <a:gs pos="100000">
+              <a:schemeClr val="phClr">
+                <a:tint val="50000"/>
+                <a:shade val="100000"/>
+                <a:satMod val="350000"/>
+              </a:schemeClr>
+            </a:gs>
+          </a:gsLst>
+          <a:lin ang="16200000" scaled="0"/>
+        </a:gradFill>
+      </a:fillStyleLst>
+      <a:lnStyleLst>
+        <a:ln w="9525" cap="flat" cmpd="sng" algn="ctr">
+          <a:solidFill>
+            <a:schemeClr val="phClr">
+              <a:shade val="95000"/>
+              <a:satMod val="105000"/>
+            </a:schemeClr>
+          </a:solidFill>
+          <a:prstDash val="solid"/>
+        </a:ln>
+        <a:ln w="25400" cap="flat" cmpd="sng" algn="ctr">
+          <a:solidFill>
+            <a:schemeClr val="phClr"/>
+          </a:solidFill>
+          <a:prstDash val="solid"/>
+        </a:ln>
+        <a:ln w="38100" cap="flat" cmpd="sng" algn="ctr">
+          <a:solidFill>
+            <a:schemeClr val="phClr"/>
+          </a:solidFill>
+          <a:prstDash val="solid"/>
+        </a:ln>
+      </a:lnStyleLst>
+      <a:effectStyleLst>
+        <a:effectStyle>
+          <a:effectLst>
+            <a:outerShdw blurRad="40000" dist="20000" dir="5400000" rotWithShape="0">
+              <a:srgbClr val="000000">
+                <a:alpha val="38000"/>
+              </a:srgbClr>
+            </a:outerShdw>
+          </a:effectLst>
+        </a:effectStyle>
+        <a:effectStyle>
+          <a:effectLst>
+            <a:outerShdw blurRad="40000" dist="23000" dir="5400000" rotWithShape="0">
+              <a:srgbClr val="000000">
+                <a:alpha val="35000"/>
+              </a:srgbClr>
+            </a:outerShdw>
+          </a:effectLst>
+        </a:effectStyle>
+        <a:effectStyle>
+          <a:effectLst>
+            <a:outerShdw blurRad="40000" dist="23000" dir="5400000" rotWithShape="0">
+              <a:srgbClr val="000000">
+                <a:alpha val="35000"/>
+              </a:srgbClr>
+            </a:outerShdw>
+          </a:effectLst>
+          <a:scene3d>
+            <a:camera prst="orthographicFront">
+              <a:rot lat="0" lon="0" rev="0"/>
+            </a:camera>
+            <a:lightRig rig="threePt" dir="t">
+              <a:rot lat="0" lon="0" rev="1200000"/>
+            </a:lightRig>
+          </a:scene3d>
+          <a:sp3d>
+            <a:bevelT w="63500" h="25400"/>
+          </a:sp3d>
+        </a:effectStyle>
+      </a:effectStyleLst>
+      <a:bgFillStyleLst>
+        <a:solidFill>
+          <a:schemeClr val="phClr"/>
+        </a:solidFill>
+        <a:gradFill rotWithShape="1">
+          <a:gsLst>
+            <a:gs pos="0">
+              <a:schemeClr val="phClr">
+                <a:tint val="40000"/>
+                <a:satMod val="350000"/>
+              </a:schemeClr>
+            </a:gs>
+            <a:gs pos="40000">
+              <a:schemeClr val="phClr">
+                <a:tint val="45000"/>
+                <a:shade val="99000"/>
+                <a:satMod val="350000"/>
+              </a:schemeClr>
+            </a:gs>
+            <a:gs pos="100000">
+              <a:schemeClr val="phClr">
+                <a:shade val="20000"/>
+                <a:satMod val="255000"/>
+              </a:schemeClr>
+            </a:gs>
+          </a:gsLst>
+          <a:path path="circle">
+            <a:fillToRect l="50000" t="-80000" r="50000" b="180000"/>
+          </a:path>
+        </a:gradFill>
+        <a:gradFill rotWithShape="1">
+          <a:gsLst>
+            <a:gs pos="0">
+              <a:schemeClr val="phClr">
+                <a:tint val="80000"/>
+                <a:satMod val="300000"/>
+              </a:schemeClr>
+            </a:gs>
+            <a:gs pos="100000">
+              <a:schemeClr val="phClr">
+                <a:shade val="30000"/>
+                <a:satMod val="200000"/>
+              </a:schemeClr>
+            </a:gs>
+          </a:gsLst>
+          <a:path path="circle">
+            <a:fillToRect l="50000" t="50000" r="50000" b="50000"/>
+          </a:path>
+        </a:gradFill>
+      </a:bgFillStyleLst>
+    </a:fmtScheme>
+  </a:themeElements>
+</a:theme>
+</file>
+
+<file path=ppt/theme/theme2.xml><?xml version="1.0" encoding="utf-8"?>
 <a:theme xmlns:a="http://schemas.openxmlformats.org/drawingml/2006/main" xmlns:r="http://schemas.openxmlformats.org/officeDocument/2006/relationships">
   <a:themeElements>
     <a:clrScheme name="Default">
@@ -62070,283 +64545,4 @@
     </a:fmtScheme>
   </a:themeElements>
 </a:theme>
-</file>
-
-<file path=ppt/theme/theme2.xml><?xml version="1.0" encoding="utf-8"?>
-<a:theme xmlns:a="http://schemas.openxmlformats.org/drawingml/2006/main" xmlns:r="http://schemas.openxmlformats.org/officeDocument/2006/relationships" name="Momentum">
-  <a:themeElements>
-    <a:clrScheme name="Momentum">
-      <a:dk1>
-        <a:srgbClr val="C0791B"/>
-      </a:dk1>
-      <a:lt1>
-        <a:srgbClr val="FFFFFF"/>
-      </a:lt1>
-      <a:dk2>
-        <a:srgbClr val="424242"/>
-      </a:dk2>
-      <a:lt2>
-        <a:srgbClr val="8DD8D3"/>
-      </a:lt2>
-      <a:accent1>
-        <a:srgbClr val="0B6374"/>
-      </a:accent1>
-      <a:accent2>
-        <a:srgbClr val="FD5B58"/>
-      </a:accent2>
-      <a:accent3>
-        <a:srgbClr val="599191"/>
-      </a:accent3>
-      <a:accent4>
-        <a:srgbClr val="D7E6A3"/>
-      </a:accent4>
-      <a:accent5>
-        <a:srgbClr val="27278B"/>
-      </a:accent5>
-      <a:accent6>
-        <a:srgbClr val="D558AB"/>
-      </a:accent6>
-      <a:hlink>
-        <a:srgbClr val="27278B"/>
-      </a:hlink>
-      <a:folHlink>
-        <a:srgbClr val="27278B"/>
-      </a:folHlink>
-    </a:clrScheme>
-    <a:fontScheme name="Office">
-      <a:majorFont>
-        <a:latin typeface="Arial"/>
-        <a:ea typeface=""/>
-        <a:cs typeface=""/>
-        <a:font script="Jpan" typeface="ＭＳ Ｐゴシック"/>
-        <a:font script="Hang" typeface="맑은 고딕"/>
-        <a:font script="Hans" typeface="宋体"/>
-        <a:font script="Hant" typeface="新細明體"/>
-        <a:font script="Arab" typeface="Times New Roman"/>
-        <a:font script="Hebr" typeface="Times New Roman"/>
-        <a:font script="Thai" typeface="Angsana New"/>
-        <a:font script="Ethi" typeface="Nyala"/>
-        <a:font script="Beng" typeface="Vrinda"/>
-        <a:font script="Gujr" typeface="Shruti"/>
-        <a:font script="Khmr" typeface="MoolBoran"/>
-        <a:font script="Knda" typeface="Tunga"/>
-        <a:font script="Guru" typeface="Raavi"/>
-        <a:font script="Cans" typeface="Euphemia"/>
-        <a:font script="Cher" typeface="Plantagenet Cherokee"/>
-        <a:font script="Yiii" typeface="Microsoft Yi Baiti"/>
-        <a:font script="Tibt" typeface="Microsoft Himalaya"/>
-        <a:font script="Thaa" typeface="MV Boli"/>
-        <a:font script="Deva" typeface="Mangal"/>
-        <a:font script="Telu" typeface="Gautami"/>
-        <a:font script="Taml" typeface="Latha"/>
-        <a:font script="Syrc" typeface="Estrangelo Edessa"/>
-        <a:font script="Orya" typeface="Kalinga"/>
-        <a:font script="Mlym" typeface="Kartika"/>
-        <a:font script="Laoo" typeface="DokChampa"/>
-        <a:font script="Sinh" typeface="Iskoola Pota"/>
-        <a:font script="Mong" typeface="Mongolian Baiti"/>
-        <a:font script="Viet" typeface="Times New Roman"/>
-        <a:font script="Uigh" typeface="Microsoft Uighur"/>
-        <a:font script="Geor" typeface="Sylfaen"/>
-      </a:majorFont>
-      <a:minorFont>
-        <a:latin typeface="Arial"/>
-        <a:ea typeface=""/>
-        <a:cs typeface=""/>
-        <a:font script="Jpan" typeface="ＭＳ Ｐゴシック"/>
-        <a:font script="Hang" typeface="맑은 고딕"/>
-        <a:font script="Hans" typeface="宋体"/>
-        <a:font script="Hant" typeface="新細明體"/>
-        <a:font script="Arab" typeface="Arial"/>
-        <a:font script="Hebr" typeface="Arial"/>
-        <a:font script="Thai" typeface="Cordia New"/>
-        <a:font script="Ethi" typeface="Nyala"/>
-        <a:font script="Beng" typeface="Vrinda"/>
-        <a:font script="Gujr" typeface="Shruti"/>
-        <a:font script="Khmr" typeface="DaunPenh"/>
-        <a:font script="Knda" typeface="Tunga"/>
-        <a:font script="Guru" typeface="Raavi"/>
-        <a:font script="Cans" typeface="Euphemia"/>
-        <a:font script="Cher" typeface="Plantagenet Cherokee"/>
-        <a:font script="Yiii" typeface="Microsoft Yi Baiti"/>
-        <a:font script="Tibt" typeface="Microsoft Himalaya"/>
-        <a:font script="Thaa" typeface="MV Boli"/>
-        <a:font script="Deva" typeface="Mangal"/>
-        <a:font script="Telu" typeface="Gautami"/>
-        <a:font script="Taml" typeface="Latha"/>
-        <a:font script="Syrc" typeface="Estrangelo Edessa"/>
-        <a:font script="Orya" typeface="Kalinga"/>
-        <a:font script="Mlym" typeface="Kartika"/>
-        <a:font script="Laoo" typeface="DokChampa"/>
-        <a:font script="Sinh" typeface="Iskoola Pota"/>
-        <a:font script="Mong" typeface="Mongolian Baiti"/>
-        <a:font script="Viet" typeface="Arial"/>
-        <a:font script="Uigh" typeface="Microsoft Uighur"/>
-        <a:font script="Geor" typeface="Sylfaen"/>
-      </a:minorFont>
-    </a:fontScheme>
-    <a:fmtScheme name="Office">
-      <a:fillStyleLst>
-        <a:solidFill>
-          <a:schemeClr val="phClr"/>
-        </a:solidFill>
-        <a:gradFill rotWithShape="1">
-          <a:gsLst>
-            <a:gs pos="0">
-              <a:schemeClr val="phClr">
-                <a:tint val="50000"/>
-                <a:satMod val="300000"/>
-              </a:schemeClr>
-            </a:gs>
-            <a:gs pos="35000">
-              <a:schemeClr val="phClr">
-                <a:tint val="37000"/>
-                <a:satMod val="300000"/>
-              </a:schemeClr>
-            </a:gs>
-            <a:gs pos="100000">
-              <a:schemeClr val="phClr">
-                <a:tint val="15000"/>
-                <a:satMod val="350000"/>
-              </a:schemeClr>
-            </a:gs>
-          </a:gsLst>
-          <a:lin ang="16200000" scaled="1"/>
-        </a:gradFill>
-        <a:gradFill rotWithShape="1">
-          <a:gsLst>
-            <a:gs pos="0">
-              <a:schemeClr val="phClr">
-                <a:tint val="100000"/>
-                <a:shade val="100000"/>
-                <a:satMod val="130000"/>
-              </a:schemeClr>
-            </a:gs>
-            <a:gs pos="100000">
-              <a:schemeClr val="phClr">
-                <a:tint val="50000"/>
-                <a:shade val="100000"/>
-                <a:satMod val="350000"/>
-              </a:schemeClr>
-            </a:gs>
-          </a:gsLst>
-          <a:lin ang="16200000" scaled="0"/>
-        </a:gradFill>
-      </a:fillStyleLst>
-      <a:lnStyleLst>
-        <a:ln w="9525" cap="flat" cmpd="sng" algn="ctr">
-          <a:solidFill>
-            <a:schemeClr val="phClr">
-              <a:shade val="95000"/>
-              <a:satMod val="105000"/>
-            </a:schemeClr>
-          </a:solidFill>
-          <a:prstDash val="solid"/>
-        </a:ln>
-        <a:ln w="25400" cap="flat" cmpd="sng" algn="ctr">
-          <a:solidFill>
-            <a:schemeClr val="phClr"/>
-          </a:solidFill>
-          <a:prstDash val="solid"/>
-        </a:ln>
-        <a:ln w="38100" cap="flat" cmpd="sng" algn="ctr">
-          <a:solidFill>
-            <a:schemeClr val="phClr"/>
-          </a:solidFill>
-          <a:prstDash val="solid"/>
-        </a:ln>
-      </a:lnStyleLst>
-      <a:effectStyleLst>
-        <a:effectStyle>
-          <a:effectLst>
-            <a:outerShdw blurRad="40000" dist="20000" dir="5400000" rotWithShape="0">
-              <a:srgbClr val="000000">
-                <a:alpha val="38000"/>
-              </a:srgbClr>
-            </a:outerShdw>
-          </a:effectLst>
-        </a:effectStyle>
-        <a:effectStyle>
-          <a:effectLst>
-            <a:outerShdw blurRad="40000" dist="23000" dir="5400000" rotWithShape="0">
-              <a:srgbClr val="000000">
-                <a:alpha val="35000"/>
-              </a:srgbClr>
-            </a:outerShdw>
-          </a:effectLst>
-        </a:effectStyle>
-        <a:effectStyle>
-          <a:effectLst>
-            <a:outerShdw blurRad="40000" dist="23000" dir="5400000" rotWithShape="0">
-              <a:srgbClr val="000000">
-                <a:alpha val="35000"/>
-              </a:srgbClr>
-            </a:outerShdw>
-          </a:effectLst>
-          <a:scene3d>
-            <a:camera prst="orthographicFront">
-              <a:rot lat="0" lon="0" rev="0"/>
-            </a:camera>
-            <a:lightRig rig="threePt" dir="t">
-              <a:rot lat="0" lon="0" rev="1200000"/>
-            </a:lightRig>
-          </a:scene3d>
-          <a:sp3d>
-            <a:bevelT w="63500" h="25400"/>
-          </a:sp3d>
-        </a:effectStyle>
-      </a:effectStyleLst>
-      <a:bgFillStyleLst>
-        <a:solidFill>
-          <a:schemeClr val="phClr"/>
-        </a:solidFill>
-        <a:gradFill rotWithShape="1">
-          <a:gsLst>
-            <a:gs pos="0">
-              <a:schemeClr val="phClr">
-                <a:tint val="40000"/>
-                <a:satMod val="350000"/>
-              </a:schemeClr>
-            </a:gs>
-            <a:gs pos="40000">
-              <a:schemeClr val="phClr">
-                <a:tint val="45000"/>
-                <a:shade val="99000"/>
-                <a:satMod val="350000"/>
-              </a:schemeClr>
-            </a:gs>
-            <a:gs pos="100000">
-              <a:schemeClr val="phClr">
-                <a:shade val="20000"/>
-                <a:satMod val="255000"/>
-              </a:schemeClr>
-            </a:gs>
-          </a:gsLst>
-          <a:path path="circle">
-            <a:fillToRect l="50000" t="-80000" r="50000" b="180000"/>
-          </a:path>
-        </a:gradFill>
-        <a:gradFill rotWithShape="1">
-          <a:gsLst>
-            <a:gs pos="0">
-              <a:schemeClr val="phClr">
-                <a:tint val="80000"/>
-                <a:satMod val="300000"/>
-              </a:schemeClr>
-            </a:gs>
-            <a:gs pos="100000">
-              <a:schemeClr val="phClr">
-                <a:shade val="30000"/>
-                <a:satMod val="200000"/>
-              </a:schemeClr>
-            </a:gs>
-          </a:gsLst>
-          <a:path path="circle">
-            <a:fillToRect l="50000" t="50000" r="50000" b="50000"/>
-          </a:path>
-        </a:gradFill>
-      </a:bgFillStyleLst>
-    </a:fmtScheme>
-  </a:themeElements>
-</a:theme>
 </file>